--- a/Newcraft2025.pptx
+++ b/Newcraft2025.pptx
@@ -4,12 +4,22 @@
   <p:sldMasterIdLst>
     <p:sldMasterId id="2147483648" r:id="rId1"/>
   </p:sldMasterIdLst>
+  <p:notesMasterIdLst>
+    <p:notesMasterId r:id="rId14"/>
+  </p:notesMasterIdLst>
   <p:sldIdLst>
     <p:sldId id="256" r:id="rId2"/>
     <p:sldId id="257" r:id="rId3"/>
     <p:sldId id="258" r:id="rId4"/>
     <p:sldId id="259" r:id="rId5"/>
     <p:sldId id="260" r:id="rId6"/>
+    <p:sldId id="261" r:id="rId7"/>
+    <p:sldId id="262" r:id="rId8"/>
+    <p:sldId id="263" r:id="rId9"/>
+    <p:sldId id="264" r:id="rId10"/>
+    <p:sldId id="265" r:id="rId11"/>
+    <p:sldId id="266" r:id="rId12"/>
+    <p:sldId id="267" r:id="rId13"/>
   </p:sldIdLst>
   <p:sldSz cx="12192000" cy="6858000"/>
   <p:notesSz cx="6858000" cy="9144000"/>
@@ -108,7 +118,1124 @@
       </a:defRPr>
     </a:lvl9pPr>
   </p:defaultTextStyle>
+  <p:extLst>
+    <p:ext uri="{EFAFB233-063F-42B5-8137-9DF3F51BA10A}">
+      <p15:sldGuideLst xmlns:p15="http://schemas.microsoft.com/office/powerpoint/2012/main"/>
+    </p:ext>
+  </p:extLst>
 </p:presentation>
+</file>
+
+<file path=ppt/notesMasters/notesMaster1.xml><?xml version="1.0" encoding="utf-8"?>
+<p:notesMaster xmlns:a="http://schemas.openxmlformats.org/drawingml/2006/main" xmlns:r="http://schemas.openxmlformats.org/officeDocument/2006/relationships" xmlns:p="http://schemas.openxmlformats.org/presentationml/2006/main">
+  <p:cSld>
+    <p:bg>
+      <p:bgRef idx="1001">
+        <a:schemeClr val="bg1"/>
+      </p:bgRef>
+    </p:bg>
+    <p:spTree>
+      <p:nvGrpSpPr>
+        <p:cNvPr id="1" name=""/>
+        <p:cNvGrpSpPr/>
+        <p:nvPr/>
+      </p:nvGrpSpPr>
+      <p:grpSpPr>
+        <a:xfrm>
+          <a:off x="0" y="0"/>
+          <a:ext cx="0" cy="0"/>
+          <a:chOff x="0" y="0"/>
+          <a:chExt cx="0" cy="0"/>
+        </a:xfrm>
+      </p:grpSpPr>
+      <p:sp>
+        <p:nvSpPr>
+          <p:cNvPr id="2" name="Espace réservé de l'en-tête 1"/>
+          <p:cNvSpPr>
+            <a:spLocks noGrp="1"/>
+          </p:cNvSpPr>
+          <p:nvPr>
+            <p:ph type="hdr" sz="quarter"/>
+          </p:nvPr>
+        </p:nvSpPr>
+        <p:spPr>
+          <a:xfrm>
+            <a:off x="0" y="0"/>
+            <a:ext cx="2971800" cy="458788"/>
+          </a:xfrm>
+          <a:prstGeom prst="rect">
+            <a:avLst/>
+          </a:prstGeom>
+        </p:spPr>
+        <p:txBody>
+          <a:bodyPr vert="horz" lIns="91440" tIns="45720" rIns="91440" bIns="45720" rtlCol="0"/>
+          <a:lstStyle>
+            <a:lvl1pPr algn="l">
+              <a:defRPr sz="1200"/>
+            </a:lvl1pPr>
+          </a:lstStyle>
+          <a:p>
+            <a:endParaRPr lang="fr-FR"/>
+          </a:p>
+        </p:txBody>
+      </p:sp>
+      <p:sp>
+        <p:nvSpPr>
+          <p:cNvPr id="3" name="Espace réservé de la date 2"/>
+          <p:cNvSpPr>
+            <a:spLocks noGrp="1"/>
+          </p:cNvSpPr>
+          <p:nvPr>
+            <p:ph type="dt" idx="1"/>
+          </p:nvPr>
+        </p:nvSpPr>
+        <p:spPr>
+          <a:xfrm>
+            <a:off x="3884613" y="0"/>
+            <a:ext cx="2971800" cy="458788"/>
+          </a:xfrm>
+          <a:prstGeom prst="rect">
+            <a:avLst/>
+          </a:prstGeom>
+        </p:spPr>
+        <p:txBody>
+          <a:bodyPr vert="horz" lIns="91440" tIns="45720" rIns="91440" bIns="45720" rtlCol="0"/>
+          <a:lstStyle>
+            <a:lvl1pPr algn="r">
+              <a:defRPr sz="1200"/>
+            </a:lvl1pPr>
+          </a:lstStyle>
+          <a:p>
+            <a:fld id="{A2A2DB8B-94CE-4014-8A48-F251DFE9918F}" type="datetimeFigureOut">
+              <a:rPr lang="fr-FR" smtClean="0"/>
+              <a:t>07/12/2025</a:t>
+            </a:fld>
+            <a:endParaRPr lang="fr-FR"/>
+          </a:p>
+        </p:txBody>
+      </p:sp>
+      <p:sp>
+        <p:nvSpPr>
+          <p:cNvPr id="4" name="Espace réservé de l'image des diapositives 3"/>
+          <p:cNvSpPr>
+            <a:spLocks noGrp="1" noRot="1" noChangeAspect="1"/>
+          </p:cNvSpPr>
+          <p:nvPr>
+            <p:ph type="sldImg" idx="2"/>
+          </p:nvPr>
+        </p:nvSpPr>
+        <p:spPr>
+          <a:xfrm>
+            <a:off x="685800" y="1143000"/>
+            <a:ext cx="5486400" cy="3086100"/>
+          </a:xfrm>
+          <a:prstGeom prst="rect">
+            <a:avLst/>
+          </a:prstGeom>
+          <a:noFill/>
+          <a:ln w="12700">
+            <a:solidFill>
+              <a:prstClr val="black"/>
+            </a:solidFill>
+          </a:ln>
+        </p:spPr>
+        <p:txBody>
+          <a:bodyPr vert="horz" lIns="91440" tIns="45720" rIns="91440" bIns="45720" rtlCol="0" anchor="ctr"/>
+          <a:lstStyle/>
+          <a:p>
+            <a:endParaRPr lang="fr-FR"/>
+          </a:p>
+        </p:txBody>
+      </p:sp>
+      <p:sp>
+        <p:nvSpPr>
+          <p:cNvPr id="5" name="Espace réservé des notes 4"/>
+          <p:cNvSpPr>
+            <a:spLocks noGrp="1"/>
+          </p:cNvSpPr>
+          <p:nvPr>
+            <p:ph type="body" sz="quarter" idx="3"/>
+          </p:nvPr>
+        </p:nvSpPr>
+        <p:spPr>
+          <a:xfrm>
+            <a:off x="685800" y="4400550"/>
+            <a:ext cx="5486400" cy="3600450"/>
+          </a:xfrm>
+          <a:prstGeom prst="rect">
+            <a:avLst/>
+          </a:prstGeom>
+        </p:spPr>
+        <p:txBody>
+          <a:bodyPr vert="horz" lIns="91440" tIns="45720" rIns="91440" bIns="45720" rtlCol="0"/>
+          <a:lstStyle/>
+          <a:p>
+            <a:pPr lvl="0"/>
+            <a:r>
+              <a:rPr lang="fr-FR"/>
+              <a:t>Cliquez pour modifier les styles du texte du masque</a:t>
+            </a:r>
+          </a:p>
+          <a:p>
+            <a:pPr lvl="1"/>
+            <a:r>
+              <a:rPr lang="fr-FR"/>
+              <a:t>Deuxième niveau</a:t>
+            </a:r>
+          </a:p>
+          <a:p>
+            <a:pPr lvl="2"/>
+            <a:r>
+              <a:rPr lang="fr-FR"/>
+              <a:t>Troisième niveau</a:t>
+            </a:r>
+          </a:p>
+          <a:p>
+            <a:pPr lvl="3"/>
+            <a:r>
+              <a:rPr lang="fr-FR"/>
+              <a:t>Quatrième niveau</a:t>
+            </a:r>
+          </a:p>
+          <a:p>
+            <a:pPr lvl="4"/>
+            <a:r>
+              <a:rPr lang="fr-FR"/>
+              <a:t>Cinquième niveau</a:t>
+            </a:r>
+          </a:p>
+        </p:txBody>
+      </p:sp>
+      <p:sp>
+        <p:nvSpPr>
+          <p:cNvPr id="6" name="Espace réservé du pied de page 5"/>
+          <p:cNvSpPr>
+            <a:spLocks noGrp="1"/>
+          </p:cNvSpPr>
+          <p:nvPr>
+            <p:ph type="ftr" sz="quarter" idx="4"/>
+          </p:nvPr>
+        </p:nvSpPr>
+        <p:spPr>
+          <a:xfrm>
+            <a:off x="0" y="8685213"/>
+            <a:ext cx="2971800" cy="458787"/>
+          </a:xfrm>
+          <a:prstGeom prst="rect">
+            <a:avLst/>
+          </a:prstGeom>
+        </p:spPr>
+        <p:txBody>
+          <a:bodyPr vert="horz" lIns="91440" tIns="45720" rIns="91440" bIns="45720" rtlCol="0" anchor="b"/>
+          <a:lstStyle>
+            <a:lvl1pPr algn="l">
+              <a:defRPr sz="1200"/>
+            </a:lvl1pPr>
+          </a:lstStyle>
+          <a:p>
+            <a:endParaRPr lang="fr-FR"/>
+          </a:p>
+        </p:txBody>
+      </p:sp>
+      <p:sp>
+        <p:nvSpPr>
+          <p:cNvPr id="7" name="Espace réservé du numéro de diapositive 6"/>
+          <p:cNvSpPr>
+            <a:spLocks noGrp="1"/>
+          </p:cNvSpPr>
+          <p:nvPr>
+            <p:ph type="sldNum" sz="quarter" idx="5"/>
+          </p:nvPr>
+        </p:nvSpPr>
+        <p:spPr>
+          <a:xfrm>
+            <a:off x="3884613" y="8685213"/>
+            <a:ext cx="2971800" cy="458787"/>
+          </a:xfrm>
+          <a:prstGeom prst="rect">
+            <a:avLst/>
+          </a:prstGeom>
+        </p:spPr>
+        <p:txBody>
+          <a:bodyPr vert="horz" lIns="91440" tIns="45720" rIns="91440" bIns="45720" rtlCol="0" anchor="b"/>
+          <a:lstStyle>
+            <a:lvl1pPr algn="r">
+              <a:defRPr sz="1200"/>
+            </a:lvl1pPr>
+          </a:lstStyle>
+          <a:p>
+            <a:fld id="{5DE5DF1F-FF1D-4257-929F-ABF5EA45A77A}" type="slidenum">
+              <a:rPr lang="fr-FR" smtClean="0"/>
+              <a:t>‹N°›</a:t>
+            </a:fld>
+            <a:endParaRPr lang="fr-FR"/>
+          </a:p>
+        </p:txBody>
+      </p:sp>
+    </p:spTree>
+    <p:extLst>
+      <p:ext uri="{BB962C8B-B14F-4D97-AF65-F5344CB8AC3E}">
+        <p14:creationId xmlns:p14="http://schemas.microsoft.com/office/powerpoint/2010/main" val="3423655907"/>
+      </p:ext>
+    </p:extLst>
+  </p:cSld>
+  <p:clrMap bg1="lt1" tx1="dk1" bg2="lt2" tx2="dk2" accent1="accent1" accent2="accent2" accent3="accent3" accent4="accent4" accent5="accent5" accent6="accent6" hlink="hlink" folHlink="folHlink"/>
+  <p:notesStyle>
+    <a:lvl1pPr marL="0" algn="l" defTabSz="914400" rtl="0" eaLnBrk="1" latinLnBrk="0" hangingPunct="1">
+      <a:defRPr sz="1200" kern="1200">
+        <a:solidFill>
+          <a:schemeClr val="tx1"/>
+        </a:solidFill>
+        <a:latin typeface="+mn-lt"/>
+        <a:ea typeface="+mn-ea"/>
+        <a:cs typeface="+mn-cs"/>
+      </a:defRPr>
+    </a:lvl1pPr>
+    <a:lvl2pPr marL="457200" algn="l" defTabSz="914400" rtl="0" eaLnBrk="1" latinLnBrk="0" hangingPunct="1">
+      <a:defRPr sz="1200" kern="1200">
+        <a:solidFill>
+          <a:schemeClr val="tx1"/>
+        </a:solidFill>
+        <a:latin typeface="+mn-lt"/>
+        <a:ea typeface="+mn-ea"/>
+        <a:cs typeface="+mn-cs"/>
+      </a:defRPr>
+    </a:lvl2pPr>
+    <a:lvl3pPr marL="914400" algn="l" defTabSz="914400" rtl="0" eaLnBrk="1" latinLnBrk="0" hangingPunct="1">
+      <a:defRPr sz="1200" kern="1200">
+        <a:solidFill>
+          <a:schemeClr val="tx1"/>
+        </a:solidFill>
+        <a:latin typeface="+mn-lt"/>
+        <a:ea typeface="+mn-ea"/>
+        <a:cs typeface="+mn-cs"/>
+      </a:defRPr>
+    </a:lvl3pPr>
+    <a:lvl4pPr marL="1371600" algn="l" defTabSz="914400" rtl="0" eaLnBrk="1" latinLnBrk="0" hangingPunct="1">
+      <a:defRPr sz="1200" kern="1200">
+        <a:solidFill>
+          <a:schemeClr val="tx1"/>
+        </a:solidFill>
+        <a:latin typeface="+mn-lt"/>
+        <a:ea typeface="+mn-ea"/>
+        <a:cs typeface="+mn-cs"/>
+      </a:defRPr>
+    </a:lvl4pPr>
+    <a:lvl5pPr marL="1828800" algn="l" defTabSz="914400" rtl="0" eaLnBrk="1" latinLnBrk="0" hangingPunct="1">
+      <a:defRPr sz="1200" kern="1200">
+        <a:solidFill>
+          <a:schemeClr val="tx1"/>
+        </a:solidFill>
+        <a:latin typeface="+mn-lt"/>
+        <a:ea typeface="+mn-ea"/>
+        <a:cs typeface="+mn-cs"/>
+      </a:defRPr>
+    </a:lvl5pPr>
+    <a:lvl6pPr marL="2286000" algn="l" defTabSz="914400" rtl="0" eaLnBrk="1" latinLnBrk="0" hangingPunct="1">
+      <a:defRPr sz="1200" kern="1200">
+        <a:solidFill>
+          <a:schemeClr val="tx1"/>
+        </a:solidFill>
+        <a:latin typeface="+mn-lt"/>
+        <a:ea typeface="+mn-ea"/>
+        <a:cs typeface="+mn-cs"/>
+      </a:defRPr>
+    </a:lvl6pPr>
+    <a:lvl7pPr marL="2743200" algn="l" defTabSz="914400" rtl="0" eaLnBrk="1" latinLnBrk="0" hangingPunct="1">
+      <a:defRPr sz="1200" kern="1200">
+        <a:solidFill>
+          <a:schemeClr val="tx1"/>
+        </a:solidFill>
+        <a:latin typeface="+mn-lt"/>
+        <a:ea typeface="+mn-ea"/>
+        <a:cs typeface="+mn-cs"/>
+      </a:defRPr>
+    </a:lvl7pPr>
+    <a:lvl8pPr marL="3200400" algn="l" defTabSz="914400" rtl="0" eaLnBrk="1" latinLnBrk="0" hangingPunct="1">
+      <a:defRPr sz="1200" kern="1200">
+        <a:solidFill>
+          <a:schemeClr val="tx1"/>
+        </a:solidFill>
+        <a:latin typeface="+mn-lt"/>
+        <a:ea typeface="+mn-ea"/>
+        <a:cs typeface="+mn-cs"/>
+      </a:defRPr>
+    </a:lvl8pPr>
+    <a:lvl9pPr marL="3657600" algn="l" defTabSz="914400" rtl="0" eaLnBrk="1" latinLnBrk="0" hangingPunct="1">
+      <a:defRPr sz="1200" kern="1200">
+        <a:solidFill>
+          <a:schemeClr val="tx1"/>
+        </a:solidFill>
+        <a:latin typeface="+mn-lt"/>
+        <a:ea typeface="+mn-ea"/>
+        <a:cs typeface="+mn-cs"/>
+      </a:defRPr>
+    </a:lvl9pPr>
+  </p:notesStyle>
+</p:notesMaster>
+</file>
+
+<file path=ppt/notesSlides/notesSlide1.xml><?xml version="1.0" encoding="utf-8"?>
+<p:notes xmlns:a="http://schemas.openxmlformats.org/drawingml/2006/main" xmlns:r="http://schemas.openxmlformats.org/officeDocument/2006/relationships" xmlns:p="http://schemas.openxmlformats.org/presentationml/2006/main">
+  <p:cSld>
+    <p:spTree>
+      <p:nvGrpSpPr>
+        <p:cNvPr id="1" name=""/>
+        <p:cNvGrpSpPr/>
+        <p:nvPr/>
+      </p:nvGrpSpPr>
+      <p:grpSpPr>
+        <a:xfrm>
+          <a:off x="0" y="0"/>
+          <a:ext cx="0" cy="0"/>
+          <a:chOff x="0" y="0"/>
+          <a:chExt cx="0" cy="0"/>
+        </a:xfrm>
+      </p:grpSpPr>
+      <p:sp>
+        <p:nvSpPr>
+          <p:cNvPr id="2" name="Espace réservé de l'image des diapositives 1"/>
+          <p:cNvSpPr>
+            <a:spLocks noGrp="1" noRot="1" noChangeAspect="1"/>
+          </p:cNvSpPr>
+          <p:nvPr>
+            <p:ph type="sldImg"/>
+          </p:nvPr>
+        </p:nvSpPr>
+        <p:spPr/>
+      </p:sp>
+      <p:sp>
+        <p:nvSpPr>
+          <p:cNvPr id="3" name="Espace réservé des notes 2"/>
+          <p:cNvSpPr>
+            <a:spLocks noGrp="1"/>
+          </p:cNvSpPr>
+          <p:nvPr>
+            <p:ph type="body" idx="1"/>
+          </p:nvPr>
+        </p:nvSpPr>
+        <p:spPr/>
+        <p:txBody>
+          <a:bodyPr/>
+          <a:lstStyle/>
+          <a:p>
+            <a:r>
+              <a:rPr lang="fr-FR" dirty="0"/>
+              <a:t>Et le plus important des anciens </a:t>
+            </a:r>
+            <a:r>
+              <a:rPr lang="fr-FR" dirty="0" err="1"/>
+              <a:t>collegues</a:t>
+            </a:r>
+            <a:r>
+              <a:rPr lang="fr-FR" dirty="0"/>
+              <a:t> avec qui échanger sur leur nouvelle </a:t>
+            </a:r>
+            <a:r>
+              <a:rPr lang="fr-FR" dirty="0" err="1"/>
+              <a:t>espérience</a:t>
+            </a:r>
+            <a:endParaRPr lang="fr-FR" dirty="0"/>
+          </a:p>
+          <a:p>
+            <a:endParaRPr lang="fr-FR" dirty="0"/>
+          </a:p>
+        </p:txBody>
+      </p:sp>
+      <p:sp>
+        <p:nvSpPr>
+          <p:cNvPr id="4" name="Espace réservé du numéro de diapositive 3"/>
+          <p:cNvSpPr>
+            <a:spLocks noGrp="1"/>
+          </p:cNvSpPr>
+          <p:nvPr>
+            <p:ph type="sldNum" sz="quarter" idx="5"/>
+          </p:nvPr>
+        </p:nvSpPr>
+        <p:spPr/>
+        <p:txBody>
+          <a:bodyPr/>
+          <a:lstStyle/>
+          <a:p>
+            <a:fld id="{5DE5DF1F-FF1D-4257-929F-ABF5EA45A77A}" type="slidenum">
+              <a:rPr lang="fr-FR" smtClean="0"/>
+              <a:t>6</a:t>
+            </a:fld>
+            <a:endParaRPr lang="fr-FR"/>
+          </a:p>
+        </p:txBody>
+      </p:sp>
+    </p:spTree>
+    <p:extLst>
+      <p:ext uri="{BB962C8B-B14F-4D97-AF65-F5344CB8AC3E}">
+        <p14:creationId xmlns:p14="http://schemas.microsoft.com/office/powerpoint/2010/main" val="3997782201"/>
+      </p:ext>
+    </p:extLst>
+  </p:cSld>
+  <p:clrMapOvr>
+    <a:masterClrMapping/>
+  </p:clrMapOvr>
+</p:notes>
+</file>
+
+<file path=ppt/notesSlides/notesSlide2.xml><?xml version="1.0" encoding="utf-8"?>
+<p:notes xmlns:a="http://schemas.openxmlformats.org/drawingml/2006/main" xmlns:r="http://schemas.openxmlformats.org/officeDocument/2006/relationships" xmlns:p="http://schemas.openxmlformats.org/presentationml/2006/main" showMasterSp="0" showMasterPhAnim="0">
+  <p:cSld>
+    <p:spTree>
+      <p:nvGrpSpPr>
+        <p:cNvPr id="1" name="Shape 156"/>
+        <p:cNvGrpSpPr/>
+        <p:nvPr/>
+      </p:nvGrpSpPr>
+      <p:grpSpPr>
+        <a:xfrm>
+          <a:off x="0" y="0"/>
+          <a:ext cx="0" cy="0"/>
+          <a:chOff x="0" y="0"/>
+          <a:chExt cx="0" cy="0"/>
+        </a:xfrm>
+      </p:grpSpPr>
+      <p:sp>
+        <p:nvSpPr>
+          <p:cNvPr id="157" name="Google Shape;157;p3:notes"/>
+          <p:cNvSpPr txBox="1">
+            <a:spLocks noGrp="1"/>
+          </p:cNvSpPr>
+          <p:nvPr>
+            <p:ph type="body" idx="1"/>
+          </p:nvPr>
+        </p:nvSpPr>
+        <p:spPr>
+          <a:xfrm>
+            <a:off x="685800" y="4400550"/>
+            <a:ext cx="5486400" cy="3600450"/>
+          </a:xfrm>
+          <a:prstGeom prst="rect">
+            <a:avLst/>
+          </a:prstGeom>
+        </p:spPr>
+        <p:txBody>
+          <a:bodyPr spcFirstLastPara="1" wrap="square" lIns="91425" tIns="45700" rIns="91425" bIns="45700" anchor="t" anchorCtr="0">
+            <a:noAutofit/>
+          </a:bodyPr>
+          <a:lstStyle/>
+          <a:p>
+            <a:pPr marL="0" lvl="0" indent="0" algn="l" rtl="0">
+              <a:spcBef>
+                <a:spcPts val="0"/>
+              </a:spcBef>
+              <a:spcAft>
+                <a:spcPts val="0"/>
+              </a:spcAft>
+              <a:buNone/>
+            </a:pPr>
+            <a:endParaRPr/>
+          </a:p>
+        </p:txBody>
+      </p:sp>
+      <p:sp>
+        <p:nvSpPr>
+          <p:cNvPr id="158" name="Google Shape;158;p3:notes"/>
+          <p:cNvSpPr>
+            <a:spLocks noGrp="1" noRot="1" noChangeAspect="1"/>
+          </p:cNvSpPr>
+          <p:nvPr>
+            <p:ph type="sldImg" idx="2"/>
+          </p:nvPr>
+        </p:nvSpPr>
+        <p:spPr>
+          <a:xfrm>
+            <a:off x="685800" y="1143000"/>
+            <a:ext cx="5486400" cy="3086100"/>
+          </a:xfrm>
+          <a:custGeom>
+            <a:avLst/>
+            <a:gdLst/>
+            <a:ahLst/>
+            <a:cxnLst/>
+            <a:rect l="l" t="t" r="r" b="b"/>
+            <a:pathLst>
+              <a:path w="120000" h="120000" extrusionOk="0">
+                <a:moveTo>
+                  <a:pt x="0" y="0"/>
+                </a:moveTo>
+                <a:lnTo>
+                  <a:pt x="120000" y="0"/>
+                </a:lnTo>
+                <a:lnTo>
+                  <a:pt x="120000" y="120000"/>
+                </a:lnTo>
+                <a:lnTo>
+                  <a:pt x="0" y="120000"/>
+                </a:lnTo>
+                <a:close/>
+              </a:path>
+            </a:pathLst>
+          </a:custGeom>
+        </p:spPr>
+      </p:sp>
+    </p:spTree>
+  </p:cSld>
+  <p:clrMapOvr>
+    <a:masterClrMapping/>
+  </p:clrMapOvr>
+</p:notes>
+</file>
+
+<file path=ppt/notesSlides/notesSlide3.xml><?xml version="1.0" encoding="utf-8"?>
+<p:notes xmlns:a="http://schemas.openxmlformats.org/drawingml/2006/main" xmlns:r="http://schemas.openxmlformats.org/officeDocument/2006/relationships" xmlns:p="http://schemas.openxmlformats.org/presentationml/2006/main" showMasterSp="0" showMasterPhAnim="0">
+  <p:cSld>
+    <p:spTree>
+      <p:nvGrpSpPr>
+        <p:cNvPr id="1" name="Shape 162"/>
+        <p:cNvGrpSpPr/>
+        <p:nvPr/>
+      </p:nvGrpSpPr>
+      <p:grpSpPr>
+        <a:xfrm>
+          <a:off x="0" y="0"/>
+          <a:ext cx="0" cy="0"/>
+          <a:chOff x="0" y="0"/>
+          <a:chExt cx="0" cy="0"/>
+        </a:xfrm>
+      </p:grpSpPr>
+      <p:sp>
+        <p:nvSpPr>
+          <p:cNvPr id="163" name="Google Shape;163;p4:notes"/>
+          <p:cNvSpPr txBox="1">
+            <a:spLocks noGrp="1"/>
+          </p:cNvSpPr>
+          <p:nvPr>
+            <p:ph type="body" idx="1"/>
+          </p:nvPr>
+        </p:nvSpPr>
+        <p:spPr>
+          <a:xfrm>
+            <a:off x="685800" y="4400550"/>
+            <a:ext cx="5486400" cy="3600450"/>
+          </a:xfrm>
+          <a:prstGeom prst="rect">
+            <a:avLst/>
+          </a:prstGeom>
+        </p:spPr>
+        <p:txBody>
+          <a:bodyPr spcFirstLastPara="1" wrap="square" lIns="91425" tIns="45700" rIns="91425" bIns="45700" anchor="t" anchorCtr="0">
+            <a:noAutofit/>
+          </a:bodyPr>
+          <a:lstStyle/>
+          <a:p>
+            <a:pPr marL="0" lvl="0" indent="0" algn="l" rtl="0">
+              <a:spcBef>
+                <a:spcPts val="0"/>
+              </a:spcBef>
+              <a:spcAft>
+                <a:spcPts val="0"/>
+              </a:spcAft>
+              <a:buNone/>
+            </a:pPr>
+            <a:r>
+              <a:rPr lang="fr-FR"/>
+              <a:t>Qui ne connait pas ces deux orateurs ?</a:t>
+            </a:r>
+            <a:endParaRPr/>
+          </a:p>
+          <a:p>
+            <a:pPr marL="0" lvl="0" indent="0" algn="l" rtl="0">
+              <a:spcBef>
+                <a:spcPts val="0"/>
+              </a:spcBef>
+              <a:spcAft>
+                <a:spcPts val="0"/>
+              </a:spcAft>
+              <a:buNone/>
+            </a:pPr>
+            <a:endParaRPr/>
+          </a:p>
+          <a:p>
+            <a:pPr marL="0" lvl="0" indent="0" algn="l" rtl="0">
+              <a:spcBef>
+                <a:spcPts val="0"/>
+              </a:spcBef>
+              <a:spcAft>
+                <a:spcPts val="0"/>
+              </a:spcAft>
+              <a:buNone/>
+            </a:pPr>
+            <a:r>
+              <a:rPr lang="fr-FR"/>
+              <a:t>Bon ok allez voir leurs présentatation</a:t>
+            </a:r>
+            <a:endParaRPr/>
+          </a:p>
+        </p:txBody>
+      </p:sp>
+      <p:sp>
+        <p:nvSpPr>
+          <p:cNvPr id="164" name="Google Shape;164;p4:notes"/>
+          <p:cNvSpPr>
+            <a:spLocks noGrp="1" noRot="1" noChangeAspect="1"/>
+          </p:cNvSpPr>
+          <p:nvPr>
+            <p:ph type="sldImg" idx="2"/>
+          </p:nvPr>
+        </p:nvSpPr>
+        <p:spPr>
+          <a:xfrm>
+            <a:off x="685800" y="1143000"/>
+            <a:ext cx="5486400" cy="3086100"/>
+          </a:xfrm>
+          <a:custGeom>
+            <a:avLst/>
+            <a:gdLst/>
+            <a:ahLst/>
+            <a:cxnLst/>
+            <a:rect l="l" t="t" r="r" b="b"/>
+            <a:pathLst>
+              <a:path w="120000" h="120000" extrusionOk="0">
+                <a:moveTo>
+                  <a:pt x="0" y="0"/>
+                </a:moveTo>
+                <a:lnTo>
+                  <a:pt x="120000" y="0"/>
+                </a:lnTo>
+                <a:lnTo>
+                  <a:pt x="120000" y="120000"/>
+                </a:lnTo>
+                <a:lnTo>
+                  <a:pt x="0" y="120000"/>
+                </a:lnTo>
+                <a:close/>
+              </a:path>
+            </a:pathLst>
+          </a:custGeom>
+        </p:spPr>
+      </p:sp>
+    </p:spTree>
+  </p:cSld>
+  <p:clrMapOvr>
+    <a:masterClrMapping/>
+  </p:clrMapOvr>
+</p:notes>
+</file>
+
+<file path=ppt/notesSlides/notesSlide4.xml><?xml version="1.0" encoding="utf-8"?>
+<p:notes xmlns:a="http://schemas.openxmlformats.org/drawingml/2006/main" xmlns:r="http://schemas.openxmlformats.org/officeDocument/2006/relationships" xmlns:p="http://schemas.openxmlformats.org/presentationml/2006/main" showMasterSp="0" showMasterPhAnim="0">
+  <p:cSld>
+    <p:spTree>
+      <p:nvGrpSpPr>
+        <p:cNvPr id="1" name="Shape 168"/>
+        <p:cNvGrpSpPr/>
+        <p:nvPr/>
+      </p:nvGrpSpPr>
+      <p:grpSpPr>
+        <a:xfrm>
+          <a:off x="0" y="0"/>
+          <a:ext cx="0" cy="0"/>
+          <a:chOff x="0" y="0"/>
+          <a:chExt cx="0" cy="0"/>
+        </a:xfrm>
+      </p:grpSpPr>
+      <p:sp>
+        <p:nvSpPr>
+          <p:cNvPr id="169" name="Google Shape;169;p5:notes"/>
+          <p:cNvSpPr txBox="1">
+            <a:spLocks noGrp="1"/>
+          </p:cNvSpPr>
+          <p:nvPr>
+            <p:ph type="body" idx="1"/>
+          </p:nvPr>
+        </p:nvSpPr>
+        <p:spPr>
+          <a:xfrm>
+            <a:off x="685800" y="4400550"/>
+            <a:ext cx="5486400" cy="3600450"/>
+          </a:xfrm>
+          <a:prstGeom prst="rect">
+            <a:avLst/>
+          </a:prstGeom>
+        </p:spPr>
+        <p:txBody>
+          <a:bodyPr spcFirstLastPara="1" wrap="square" lIns="91425" tIns="45700" rIns="91425" bIns="45700" anchor="t" anchorCtr="0">
+            <a:noAutofit/>
+          </a:bodyPr>
+          <a:lstStyle/>
+          <a:p>
+            <a:pPr marL="0" lvl="0" indent="0" algn="l" rtl="0">
+              <a:spcBef>
+                <a:spcPts val="0"/>
+              </a:spcBef>
+              <a:spcAft>
+                <a:spcPts val="0"/>
+              </a:spcAft>
+              <a:buNone/>
+            </a:pPr>
+            <a:endParaRPr/>
+          </a:p>
+        </p:txBody>
+      </p:sp>
+      <p:sp>
+        <p:nvSpPr>
+          <p:cNvPr id="170" name="Google Shape;170;p5:notes"/>
+          <p:cNvSpPr>
+            <a:spLocks noGrp="1" noRot="1" noChangeAspect="1"/>
+          </p:cNvSpPr>
+          <p:nvPr>
+            <p:ph type="sldImg" idx="2"/>
+          </p:nvPr>
+        </p:nvSpPr>
+        <p:spPr>
+          <a:xfrm>
+            <a:off x="685800" y="1143000"/>
+            <a:ext cx="5486400" cy="3086100"/>
+          </a:xfrm>
+          <a:custGeom>
+            <a:avLst/>
+            <a:gdLst/>
+            <a:ahLst/>
+            <a:cxnLst/>
+            <a:rect l="l" t="t" r="r" b="b"/>
+            <a:pathLst>
+              <a:path w="120000" h="120000" extrusionOk="0">
+                <a:moveTo>
+                  <a:pt x="0" y="0"/>
+                </a:moveTo>
+                <a:lnTo>
+                  <a:pt x="120000" y="0"/>
+                </a:lnTo>
+                <a:lnTo>
+                  <a:pt x="120000" y="120000"/>
+                </a:lnTo>
+                <a:lnTo>
+                  <a:pt x="0" y="120000"/>
+                </a:lnTo>
+                <a:close/>
+              </a:path>
+            </a:pathLst>
+          </a:custGeom>
+        </p:spPr>
+      </p:sp>
+    </p:spTree>
+  </p:cSld>
+  <p:clrMapOvr>
+    <a:masterClrMapping/>
+  </p:clrMapOvr>
+</p:notes>
+</file>
+
+<file path=ppt/notesSlides/notesSlide5.xml><?xml version="1.0" encoding="utf-8"?>
+<p:notes xmlns:a="http://schemas.openxmlformats.org/drawingml/2006/main" xmlns:r="http://schemas.openxmlformats.org/officeDocument/2006/relationships" xmlns:p="http://schemas.openxmlformats.org/presentationml/2006/main" showMasterSp="0" showMasterPhAnim="0">
+  <p:cSld>
+    <p:spTree>
+      <p:nvGrpSpPr>
+        <p:cNvPr id="1" name="Shape 174"/>
+        <p:cNvGrpSpPr/>
+        <p:nvPr/>
+      </p:nvGrpSpPr>
+      <p:grpSpPr>
+        <a:xfrm>
+          <a:off x="0" y="0"/>
+          <a:ext cx="0" cy="0"/>
+          <a:chOff x="0" y="0"/>
+          <a:chExt cx="0" cy="0"/>
+        </a:xfrm>
+      </p:grpSpPr>
+      <p:sp>
+        <p:nvSpPr>
+          <p:cNvPr id="175" name="Google Shape;175;p6:notes"/>
+          <p:cNvSpPr txBox="1">
+            <a:spLocks noGrp="1"/>
+          </p:cNvSpPr>
+          <p:nvPr>
+            <p:ph type="body" idx="1"/>
+          </p:nvPr>
+        </p:nvSpPr>
+        <p:spPr>
+          <a:xfrm>
+            <a:off x="685800" y="4400550"/>
+            <a:ext cx="5486400" cy="3600450"/>
+          </a:xfrm>
+          <a:prstGeom prst="rect">
+            <a:avLst/>
+          </a:prstGeom>
+        </p:spPr>
+        <p:txBody>
+          <a:bodyPr spcFirstLastPara="1" wrap="square" lIns="91425" tIns="45700" rIns="91425" bIns="45700" anchor="t" anchorCtr="0">
+            <a:noAutofit/>
+          </a:bodyPr>
+          <a:lstStyle/>
+          <a:p>
+            <a:pPr marL="0" lvl="0" indent="0" algn="l" rtl="0">
+              <a:spcBef>
+                <a:spcPts val="0"/>
+              </a:spcBef>
+              <a:spcAft>
+                <a:spcPts val="0"/>
+              </a:spcAft>
+              <a:buNone/>
+            </a:pPr>
+            <a:endParaRPr/>
+          </a:p>
+        </p:txBody>
+      </p:sp>
+      <p:sp>
+        <p:nvSpPr>
+          <p:cNvPr id="176" name="Google Shape;176;p6:notes"/>
+          <p:cNvSpPr>
+            <a:spLocks noGrp="1" noRot="1" noChangeAspect="1"/>
+          </p:cNvSpPr>
+          <p:nvPr>
+            <p:ph type="sldImg" idx="2"/>
+          </p:nvPr>
+        </p:nvSpPr>
+        <p:spPr>
+          <a:xfrm>
+            <a:off x="685800" y="1143000"/>
+            <a:ext cx="5486400" cy="3086100"/>
+          </a:xfrm>
+          <a:custGeom>
+            <a:avLst/>
+            <a:gdLst/>
+            <a:ahLst/>
+            <a:cxnLst/>
+            <a:rect l="l" t="t" r="r" b="b"/>
+            <a:pathLst>
+              <a:path w="120000" h="120000" extrusionOk="0">
+                <a:moveTo>
+                  <a:pt x="0" y="0"/>
+                </a:moveTo>
+                <a:lnTo>
+                  <a:pt x="120000" y="0"/>
+                </a:lnTo>
+                <a:lnTo>
+                  <a:pt x="120000" y="120000"/>
+                </a:lnTo>
+                <a:lnTo>
+                  <a:pt x="0" y="120000"/>
+                </a:lnTo>
+                <a:close/>
+              </a:path>
+            </a:pathLst>
+          </a:custGeom>
+        </p:spPr>
+      </p:sp>
+    </p:spTree>
+  </p:cSld>
+  <p:clrMapOvr>
+    <a:masterClrMapping/>
+  </p:clrMapOvr>
+</p:notes>
+</file>
+
+<file path=ppt/notesSlides/notesSlide6.xml><?xml version="1.0" encoding="utf-8"?>
+<p:notes xmlns:a="http://schemas.openxmlformats.org/drawingml/2006/main" xmlns:r="http://schemas.openxmlformats.org/officeDocument/2006/relationships" xmlns:p="http://schemas.openxmlformats.org/presentationml/2006/main" showMasterSp="0" showMasterPhAnim="0">
+  <p:cSld>
+    <p:spTree>
+      <p:nvGrpSpPr>
+        <p:cNvPr id="1" name="Shape 180"/>
+        <p:cNvGrpSpPr/>
+        <p:nvPr/>
+      </p:nvGrpSpPr>
+      <p:grpSpPr>
+        <a:xfrm>
+          <a:off x="0" y="0"/>
+          <a:ext cx="0" cy="0"/>
+          <a:chOff x="0" y="0"/>
+          <a:chExt cx="0" cy="0"/>
+        </a:xfrm>
+      </p:grpSpPr>
+      <p:sp>
+        <p:nvSpPr>
+          <p:cNvPr id="181" name="Google Shape;181;p7:notes"/>
+          <p:cNvSpPr txBox="1">
+            <a:spLocks noGrp="1"/>
+          </p:cNvSpPr>
+          <p:nvPr>
+            <p:ph type="body" idx="1"/>
+          </p:nvPr>
+        </p:nvSpPr>
+        <p:spPr>
+          <a:xfrm>
+            <a:off x="685800" y="4400550"/>
+            <a:ext cx="5486400" cy="3600450"/>
+          </a:xfrm>
+          <a:prstGeom prst="rect">
+            <a:avLst/>
+          </a:prstGeom>
+        </p:spPr>
+        <p:txBody>
+          <a:bodyPr spcFirstLastPara="1" wrap="square" lIns="91425" tIns="45700" rIns="91425" bIns="45700" anchor="t" anchorCtr="0">
+            <a:noAutofit/>
+          </a:bodyPr>
+          <a:lstStyle/>
+          <a:p>
+            <a:pPr marL="0" lvl="0" indent="0" algn="l" rtl="0">
+              <a:spcBef>
+                <a:spcPts val="0"/>
+              </a:spcBef>
+              <a:spcAft>
+                <a:spcPts val="0"/>
+              </a:spcAft>
+              <a:buNone/>
+            </a:pPr>
+            <a:endParaRPr/>
+          </a:p>
+        </p:txBody>
+      </p:sp>
+      <p:sp>
+        <p:nvSpPr>
+          <p:cNvPr id="182" name="Google Shape;182;p7:notes"/>
+          <p:cNvSpPr>
+            <a:spLocks noGrp="1" noRot="1" noChangeAspect="1"/>
+          </p:cNvSpPr>
+          <p:nvPr>
+            <p:ph type="sldImg" idx="2"/>
+          </p:nvPr>
+        </p:nvSpPr>
+        <p:spPr>
+          <a:xfrm>
+            <a:off x="685800" y="1143000"/>
+            <a:ext cx="5486400" cy="3086100"/>
+          </a:xfrm>
+          <a:custGeom>
+            <a:avLst/>
+            <a:gdLst/>
+            <a:ahLst/>
+            <a:cxnLst/>
+            <a:rect l="l" t="t" r="r" b="b"/>
+            <a:pathLst>
+              <a:path w="120000" h="120000" extrusionOk="0">
+                <a:moveTo>
+                  <a:pt x="0" y="0"/>
+                </a:moveTo>
+                <a:lnTo>
+                  <a:pt x="120000" y="0"/>
+                </a:lnTo>
+                <a:lnTo>
+                  <a:pt x="120000" y="120000"/>
+                </a:lnTo>
+                <a:lnTo>
+                  <a:pt x="0" y="120000"/>
+                </a:lnTo>
+                <a:close/>
+              </a:path>
+            </a:pathLst>
+          </a:custGeom>
+        </p:spPr>
+      </p:sp>
+    </p:spTree>
+  </p:cSld>
+  <p:clrMapOvr>
+    <a:masterClrMapping/>
+  </p:clrMapOvr>
+</p:notes>
+</file>
+
+<file path=ppt/notesSlides/notesSlide7.xml><?xml version="1.0" encoding="utf-8"?>
+<p:notes xmlns:a="http://schemas.openxmlformats.org/drawingml/2006/main" xmlns:r="http://schemas.openxmlformats.org/officeDocument/2006/relationships" xmlns:p="http://schemas.openxmlformats.org/presentationml/2006/main" showMasterSp="0" showMasterPhAnim="0">
+  <p:cSld>
+    <p:spTree>
+      <p:nvGrpSpPr>
+        <p:cNvPr id="1" name="Shape 186"/>
+        <p:cNvGrpSpPr/>
+        <p:nvPr/>
+      </p:nvGrpSpPr>
+      <p:grpSpPr>
+        <a:xfrm>
+          <a:off x="0" y="0"/>
+          <a:ext cx="0" cy="0"/>
+          <a:chOff x="0" y="0"/>
+          <a:chExt cx="0" cy="0"/>
+        </a:xfrm>
+      </p:grpSpPr>
+      <p:sp>
+        <p:nvSpPr>
+          <p:cNvPr id="187" name="Google Shape;187;p8:notes"/>
+          <p:cNvSpPr txBox="1">
+            <a:spLocks noGrp="1"/>
+          </p:cNvSpPr>
+          <p:nvPr>
+            <p:ph type="body" idx="1"/>
+          </p:nvPr>
+        </p:nvSpPr>
+        <p:spPr>
+          <a:xfrm>
+            <a:off x="685800" y="4400550"/>
+            <a:ext cx="5486400" cy="3600450"/>
+          </a:xfrm>
+          <a:prstGeom prst="rect">
+            <a:avLst/>
+          </a:prstGeom>
+        </p:spPr>
+        <p:txBody>
+          <a:bodyPr spcFirstLastPara="1" wrap="square" lIns="91425" tIns="45700" rIns="91425" bIns="45700" anchor="t" anchorCtr="0">
+            <a:noAutofit/>
+          </a:bodyPr>
+          <a:lstStyle/>
+          <a:p>
+            <a:pPr marL="0" lvl="0" indent="0" algn="l" rtl="0">
+              <a:spcBef>
+                <a:spcPts val="0"/>
+              </a:spcBef>
+              <a:spcAft>
+                <a:spcPts val="0"/>
+              </a:spcAft>
+              <a:buNone/>
+            </a:pPr>
+            <a:r>
+              <a:rPr lang="fr-FR"/>
+              <a:t>Globalement le niveau est plus élevé que sur le Devox, ok on n’a pas fait le 2025</a:t>
+            </a:r>
+            <a:endParaRPr/>
+          </a:p>
+        </p:txBody>
+      </p:sp>
+      <p:sp>
+        <p:nvSpPr>
+          <p:cNvPr id="188" name="Google Shape;188;p8:notes"/>
+          <p:cNvSpPr>
+            <a:spLocks noGrp="1" noRot="1" noChangeAspect="1"/>
+          </p:cNvSpPr>
+          <p:nvPr>
+            <p:ph type="sldImg" idx="2"/>
+          </p:nvPr>
+        </p:nvSpPr>
+        <p:spPr>
+          <a:xfrm>
+            <a:off x="685800" y="1143000"/>
+            <a:ext cx="5486400" cy="3086100"/>
+          </a:xfrm>
+          <a:custGeom>
+            <a:avLst/>
+            <a:gdLst/>
+            <a:ahLst/>
+            <a:cxnLst/>
+            <a:rect l="l" t="t" r="r" b="b"/>
+            <a:pathLst>
+              <a:path w="120000" h="120000" extrusionOk="0">
+                <a:moveTo>
+                  <a:pt x="0" y="0"/>
+                </a:moveTo>
+                <a:lnTo>
+                  <a:pt x="120000" y="0"/>
+                </a:lnTo>
+                <a:lnTo>
+                  <a:pt x="120000" y="120000"/>
+                </a:lnTo>
+                <a:lnTo>
+                  <a:pt x="0" y="120000"/>
+                </a:lnTo>
+                <a:close/>
+              </a:path>
+            </a:pathLst>
+          </a:custGeom>
+        </p:spPr>
+      </p:sp>
+    </p:spTree>
+  </p:cSld>
+  <p:clrMapOvr>
+    <a:masterClrMapping/>
+  </p:clrMapOvr>
+</p:notes>
 </file>
 
 <file path=ppt/slideLayouts/slideLayout1.xml><?xml version="1.0" encoding="utf-8"?>
@@ -5896,6 +7023,479 @@
 </p:sld>
 </file>
 
+<file path=ppt/slides/slide10.xml><?xml version="1.0" encoding="utf-8"?>
+<p:sld xmlns:a="http://schemas.openxmlformats.org/drawingml/2006/main" xmlns:r="http://schemas.openxmlformats.org/officeDocument/2006/relationships" xmlns:p="http://schemas.openxmlformats.org/presentationml/2006/main">
+  <p:cSld>
+    <p:spTree>
+      <p:nvGrpSpPr>
+        <p:cNvPr id="1" name="Shape 177"/>
+        <p:cNvGrpSpPr/>
+        <p:nvPr/>
+      </p:nvGrpSpPr>
+      <p:grpSpPr>
+        <a:xfrm>
+          <a:off x="0" y="0"/>
+          <a:ext cx="0" cy="0"/>
+          <a:chOff x="0" y="0"/>
+          <a:chExt cx="0" cy="0"/>
+        </a:xfrm>
+      </p:grpSpPr>
+      <p:sp>
+        <p:nvSpPr>
+          <p:cNvPr id="178" name="Google Shape;178;p6"/>
+          <p:cNvSpPr txBox="1">
+            <a:spLocks noGrp="1"/>
+          </p:cNvSpPr>
+          <p:nvPr>
+            <p:ph type="title"/>
+          </p:nvPr>
+        </p:nvSpPr>
+        <p:spPr>
+          <a:xfrm>
+            <a:off x="677334" y="306565"/>
+            <a:ext cx="8596668" cy="510073"/>
+          </a:xfrm>
+          <a:prstGeom prst="rect">
+            <a:avLst/>
+          </a:prstGeom>
+          <a:noFill/>
+          <a:ln>
+            <a:noFill/>
+          </a:ln>
+        </p:spPr>
+        <p:txBody>
+          <a:bodyPr spcFirstLastPara="1" wrap="square" lIns="91425" tIns="45700" rIns="91425" bIns="45700" anchor="t" anchorCtr="0">
+            <a:normAutofit fontScale="90000"/>
+          </a:bodyPr>
+          <a:lstStyle/>
+          <a:p>
+            <a:pPr>
+              <a:buClr>
+                <a:schemeClr val="accent1"/>
+              </a:buClr>
+              <a:buSzPct val="100000"/>
+            </a:pPr>
+            <a:r>
+              <a:rPr lang="fr-FR" sz="4900" b="1" dirty="0"/>
+              <a:t>A </a:t>
+            </a:r>
+            <a:r>
+              <a:rPr lang="fr-FR" sz="4900" b="1" dirty="0" err="1"/>
+              <a:t>Defense</a:t>
+            </a:r>
+            <a:r>
+              <a:rPr lang="fr-FR" sz="4900" b="1" dirty="0"/>
+              <a:t> of </a:t>
+            </a:r>
+            <a:r>
+              <a:rPr lang="fr-FR" sz="4900" b="1" dirty="0" err="1"/>
+              <a:t>Technical</a:t>
+            </a:r>
+            <a:r>
+              <a:rPr lang="fr-FR" sz="4900" b="1" dirty="0"/>
+              <a:t> Excellence</a:t>
+            </a:r>
+            <a:endParaRPr sz="4900" b="1" dirty="0"/>
+          </a:p>
+        </p:txBody>
+      </p:sp>
+      <p:sp>
+        <p:nvSpPr>
+          <p:cNvPr id="179" name="Google Shape;179;p6"/>
+          <p:cNvSpPr txBox="1">
+            <a:spLocks noGrp="1"/>
+          </p:cNvSpPr>
+          <p:nvPr>
+            <p:ph type="body" idx="1"/>
+          </p:nvPr>
+        </p:nvSpPr>
+        <p:spPr>
+          <a:xfrm>
+            <a:off x="677334" y="2160589"/>
+            <a:ext cx="8596668" cy="3880773"/>
+          </a:xfrm>
+          <a:prstGeom prst="rect">
+            <a:avLst/>
+          </a:prstGeom>
+          <a:noFill/>
+          <a:ln>
+            <a:noFill/>
+          </a:ln>
+        </p:spPr>
+        <p:txBody>
+          <a:bodyPr spcFirstLastPara="1" wrap="square" lIns="91425" tIns="45700" rIns="91425" bIns="45700" anchor="t" anchorCtr="0">
+            <a:normAutofit/>
+          </a:bodyPr>
+          <a:lstStyle/>
+          <a:p>
+            <a:pPr marL="342900" lvl="0" indent="-251459" algn="l" rtl="0">
+              <a:spcBef>
+                <a:spcPts val="0"/>
+              </a:spcBef>
+              <a:spcAft>
+                <a:spcPts val="0"/>
+              </a:spcAft>
+              <a:buSzPts val="1440"/>
+              <a:buNone/>
+            </a:pPr>
+            <a:endParaRPr/>
+          </a:p>
+        </p:txBody>
+      </p:sp>
+    </p:spTree>
+  </p:cSld>
+  <p:clrMapOvr>
+    <a:masterClrMapping/>
+  </p:clrMapOvr>
+</p:sld>
+</file>
+
+<file path=ppt/slides/slide11.xml><?xml version="1.0" encoding="utf-8"?>
+<p:sld xmlns:a="http://schemas.openxmlformats.org/drawingml/2006/main" xmlns:r="http://schemas.openxmlformats.org/officeDocument/2006/relationships" xmlns:p="http://schemas.openxmlformats.org/presentationml/2006/main">
+  <p:cSld>
+    <p:spTree>
+      <p:nvGrpSpPr>
+        <p:cNvPr id="1" name="Shape 183"/>
+        <p:cNvGrpSpPr/>
+        <p:nvPr/>
+      </p:nvGrpSpPr>
+      <p:grpSpPr>
+        <a:xfrm>
+          <a:off x="0" y="0"/>
+          <a:ext cx="0" cy="0"/>
+          <a:chOff x="0" y="0"/>
+          <a:chExt cx="0" cy="0"/>
+        </a:xfrm>
+      </p:grpSpPr>
+      <p:sp>
+        <p:nvSpPr>
+          <p:cNvPr id="184" name="Google Shape;184;p7"/>
+          <p:cNvSpPr txBox="1">
+            <a:spLocks noGrp="1"/>
+          </p:cNvSpPr>
+          <p:nvPr>
+            <p:ph type="title"/>
+          </p:nvPr>
+        </p:nvSpPr>
+        <p:spPr>
+          <a:xfrm>
+            <a:off x="677334" y="306565"/>
+            <a:ext cx="8596668" cy="510073"/>
+          </a:xfrm>
+          <a:prstGeom prst="rect">
+            <a:avLst/>
+          </a:prstGeom>
+          <a:noFill/>
+          <a:ln>
+            <a:noFill/>
+          </a:ln>
+        </p:spPr>
+        <p:txBody>
+          <a:bodyPr spcFirstLastPara="1" wrap="square" lIns="91425" tIns="45700" rIns="91425" bIns="45700" anchor="t" anchorCtr="0">
+            <a:normAutofit fontScale="90000"/>
+          </a:bodyPr>
+          <a:lstStyle/>
+          <a:p>
+            <a:pPr>
+              <a:buClr>
+                <a:schemeClr val="accent1"/>
+              </a:buClr>
+              <a:buSzPct val="100000"/>
+            </a:pPr>
+            <a:r>
+              <a:rPr lang="fr-FR" sz="4900" b="1" dirty="0" err="1"/>
+              <a:t>Surviving</a:t>
+            </a:r>
+            <a:r>
+              <a:rPr lang="fr-FR" sz="4900" b="1" dirty="0"/>
+              <a:t> </a:t>
+            </a:r>
+            <a:r>
+              <a:rPr lang="fr-FR" sz="4900" b="1" dirty="0" err="1"/>
+              <a:t>complexity</a:t>
+            </a:r>
+            <a:r>
+              <a:rPr lang="fr-FR" sz="4900" b="1" dirty="0"/>
+              <a:t> </a:t>
+            </a:r>
+            <a:endParaRPr sz="4900" b="1" dirty="0"/>
+          </a:p>
+        </p:txBody>
+      </p:sp>
+      <p:sp>
+        <p:nvSpPr>
+          <p:cNvPr id="185" name="Google Shape;185;p7"/>
+          <p:cNvSpPr txBox="1">
+            <a:spLocks noGrp="1"/>
+          </p:cNvSpPr>
+          <p:nvPr>
+            <p:ph type="body" idx="1"/>
+          </p:nvPr>
+        </p:nvSpPr>
+        <p:spPr>
+          <a:xfrm>
+            <a:off x="677334" y="2160589"/>
+            <a:ext cx="8596668" cy="3880773"/>
+          </a:xfrm>
+          <a:prstGeom prst="rect">
+            <a:avLst/>
+          </a:prstGeom>
+          <a:noFill/>
+          <a:ln>
+            <a:noFill/>
+          </a:ln>
+        </p:spPr>
+        <p:txBody>
+          <a:bodyPr spcFirstLastPara="1" wrap="square" lIns="91425" tIns="45700" rIns="91425" bIns="45700" anchor="t" anchorCtr="0">
+            <a:normAutofit/>
+          </a:bodyPr>
+          <a:lstStyle/>
+          <a:p>
+            <a:pPr marL="342900" lvl="0" indent="-251459" algn="l" rtl="0">
+              <a:spcBef>
+                <a:spcPts val="0"/>
+              </a:spcBef>
+              <a:spcAft>
+                <a:spcPts val="0"/>
+              </a:spcAft>
+              <a:buSzPts val="1440"/>
+              <a:buNone/>
+            </a:pPr>
+            <a:endParaRPr/>
+          </a:p>
+        </p:txBody>
+      </p:sp>
+    </p:spTree>
+  </p:cSld>
+  <p:clrMapOvr>
+    <a:masterClrMapping/>
+  </p:clrMapOvr>
+</p:sld>
+</file>
+
+<file path=ppt/slides/slide12.xml><?xml version="1.0" encoding="utf-8"?>
+<p:sld xmlns:a="http://schemas.openxmlformats.org/drawingml/2006/main" xmlns:r="http://schemas.openxmlformats.org/officeDocument/2006/relationships" xmlns:p="http://schemas.openxmlformats.org/presentationml/2006/main">
+  <p:cSld>
+    <p:spTree>
+      <p:nvGrpSpPr>
+        <p:cNvPr id="1" name="Shape 189"/>
+        <p:cNvGrpSpPr/>
+        <p:nvPr/>
+      </p:nvGrpSpPr>
+      <p:grpSpPr>
+        <a:xfrm>
+          <a:off x="0" y="0"/>
+          <a:ext cx="0" cy="0"/>
+          <a:chOff x="0" y="0"/>
+          <a:chExt cx="0" cy="0"/>
+        </a:xfrm>
+      </p:grpSpPr>
+      <p:sp>
+        <p:nvSpPr>
+          <p:cNvPr id="190" name="Google Shape;190;p8"/>
+          <p:cNvSpPr txBox="1">
+            <a:spLocks noGrp="1"/>
+          </p:cNvSpPr>
+          <p:nvPr>
+            <p:ph type="title"/>
+          </p:nvPr>
+        </p:nvSpPr>
+        <p:spPr>
+          <a:xfrm>
+            <a:off x="677334" y="306565"/>
+            <a:ext cx="8596668" cy="510073"/>
+          </a:xfrm>
+          <a:prstGeom prst="rect">
+            <a:avLst/>
+          </a:prstGeom>
+          <a:noFill/>
+          <a:ln>
+            <a:noFill/>
+          </a:ln>
+        </p:spPr>
+        <p:txBody>
+          <a:bodyPr spcFirstLastPara="1" wrap="square" lIns="91425" tIns="45700" rIns="91425" bIns="45700" anchor="t" anchorCtr="0">
+            <a:normAutofit fontScale="90000"/>
+          </a:bodyPr>
+          <a:lstStyle/>
+          <a:p>
+            <a:pPr>
+              <a:buClr>
+                <a:schemeClr val="accent1"/>
+              </a:buClr>
+              <a:buSzPct val="100000"/>
+            </a:pPr>
+            <a:r>
+              <a:rPr lang="fr-FR" sz="4900" b="1" dirty="0"/>
+              <a:t>Conclusion</a:t>
+            </a:r>
+            <a:endParaRPr sz="4900" b="1" dirty="0"/>
+          </a:p>
+        </p:txBody>
+      </p:sp>
+      <p:sp>
+        <p:nvSpPr>
+          <p:cNvPr id="191" name="Google Shape;191;p8"/>
+          <p:cNvSpPr txBox="1">
+            <a:spLocks noGrp="1"/>
+          </p:cNvSpPr>
+          <p:nvPr>
+            <p:ph type="body" idx="1"/>
+          </p:nvPr>
+        </p:nvSpPr>
+        <p:spPr>
+          <a:xfrm>
+            <a:off x="677334" y="2160589"/>
+            <a:ext cx="8596668" cy="3880773"/>
+          </a:xfrm>
+          <a:prstGeom prst="rect">
+            <a:avLst/>
+          </a:prstGeom>
+          <a:noFill/>
+          <a:ln>
+            <a:noFill/>
+          </a:ln>
+        </p:spPr>
+        <p:txBody>
+          <a:bodyPr spcFirstLastPara="1" wrap="square" lIns="91425" tIns="45700" rIns="91425" bIns="45700" anchor="t" anchorCtr="0">
+            <a:normAutofit/>
+          </a:bodyPr>
+          <a:lstStyle/>
+          <a:p>
+            <a:pPr marR="0" lvl="0" algn="l" rtl="0">
+              <a:lnSpc>
+                <a:spcPct val="100000"/>
+              </a:lnSpc>
+              <a:spcBef>
+                <a:spcPts val="1000"/>
+              </a:spcBef>
+              <a:spcAft>
+                <a:spcPts val="0"/>
+              </a:spcAft>
+              <a:buSzPts val="1440"/>
+              <a:buFont typeface="Arial" panose="020B0604020202020204" pitchFamily="34" charset="0"/>
+              <a:buChar char="•"/>
+            </a:pPr>
+            <a:r>
+              <a:rPr lang="fr-FR" sz="1800" dirty="0"/>
+              <a:t>S</a:t>
+            </a:r>
+            <a:r>
+              <a:rPr lang="fr-FR" dirty="0"/>
+              <a:t>alon onéreux </a:t>
+            </a:r>
+            <a:endParaRPr sz="1800" dirty="0"/>
+          </a:p>
+          <a:p>
+            <a:pPr>
+              <a:spcBef>
+                <a:spcPts val="1000"/>
+              </a:spcBef>
+              <a:spcAft>
+                <a:spcPts val="0"/>
+              </a:spcAft>
+              <a:buSzPts val="1440"/>
+            </a:pPr>
+            <a:r>
+              <a:rPr lang="fr-FR" sz="1800" dirty="0"/>
+              <a:t>Pas </a:t>
+            </a:r>
+            <a:r>
+              <a:rPr lang="fr-FR" dirty="0"/>
+              <a:t>forcément</a:t>
+            </a:r>
+            <a:r>
+              <a:rPr lang="fr-FR" sz="1800" dirty="0"/>
+              <a:t> accessible à tous le monde certains sujet demande une certaine expérience</a:t>
+            </a:r>
+            <a:endParaRPr sz="1800" dirty="0"/>
+          </a:p>
+          <a:p>
+            <a:pPr marL="342900" marR="0" lvl="0" indent="0" algn="l" rtl="0">
+              <a:lnSpc>
+                <a:spcPct val="100000"/>
+              </a:lnSpc>
+              <a:spcBef>
+                <a:spcPts val="1000"/>
+              </a:spcBef>
+              <a:spcAft>
+                <a:spcPts val="0"/>
+              </a:spcAft>
+              <a:buNone/>
+            </a:pPr>
+            <a:endParaRPr dirty="0"/>
+          </a:p>
+          <a:p>
+            <a:pPr lvl="0">
+              <a:spcBef>
+                <a:spcPts val="1000"/>
+              </a:spcBef>
+              <a:spcAft>
+                <a:spcPts val="0"/>
+              </a:spcAft>
+              <a:buSzPts val="1440"/>
+            </a:pPr>
+            <a:r>
+              <a:rPr lang="fr-FR" dirty="0"/>
+              <a:t>Salon ou des personnes expérimentées abordes des sujets de plus haut niveau</a:t>
+            </a:r>
+            <a:endParaRPr dirty="0"/>
+          </a:p>
+          <a:p>
+            <a:pPr lvl="0">
+              <a:spcBef>
+                <a:spcPts val="1000"/>
+              </a:spcBef>
+              <a:spcAft>
+                <a:spcPts val="0"/>
+              </a:spcAft>
+              <a:buSzPts val="1440"/>
+            </a:pPr>
+            <a:r>
+              <a:rPr lang="fr-FR" dirty="0"/>
+              <a:t>Diversité des intervenants</a:t>
+            </a:r>
+            <a:endParaRPr dirty="0"/>
+          </a:p>
+          <a:p>
+            <a:pPr lvl="0">
+              <a:spcBef>
+                <a:spcPts val="1000"/>
+              </a:spcBef>
+              <a:spcAft>
+                <a:spcPts val="0"/>
+              </a:spcAft>
+              <a:buSzPts val="1440"/>
+            </a:pPr>
+            <a:r>
+              <a:rPr lang="fr-FR" dirty="0"/>
+              <a:t>Peu de conférence payée</a:t>
+            </a:r>
+            <a:endParaRPr dirty="0"/>
+          </a:p>
+          <a:p>
+            <a:pPr marL="342900" lvl="0" indent="-251459" algn="l" rtl="0">
+              <a:spcBef>
+                <a:spcPts val="1000"/>
+              </a:spcBef>
+              <a:spcAft>
+                <a:spcPts val="0"/>
+              </a:spcAft>
+              <a:buSzPts val="1440"/>
+              <a:buNone/>
+            </a:pPr>
+            <a:endParaRPr dirty="0"/>
+          </a:p>
+        </p:txBody>
+      </p:sp>
+    </p:spTree>
+  </p:cSld>
+  <p:clrMapOvr>
+    <a:masterClrMapping/>
+  </p:clrMapOvr>
+</p:sld>
+</file>
+
 <file path=ppt/slides/slide2.xml><?xml version="1.0" encoding="utf-8"?>
 <p:sld xmlns:a="http://schemas.openxmlformats.org/drawingml/2006/main" xmlns:r="http://schemas.openxmlformats.org/officeDocument/2006/relationships" xmlns:p="http://schemas.openxmlformats.org/presentationml/2006/main">
   <p:cSld>
@@ -7224,7 +8824,7 @@
         <p:spPr bwMode="auto">
           <a:xfrm>
             <a:off x="152401" y="1987399"/>
-            <a:ext cx="10982494" cy="3139321"/>
+            <a:ext cx="10134762" cy="3139321"/>
           </a:xfrm>
           <a:prstGeom prst="rect">
             <a:avLst/>
@@ -7296,7 +8896,6 @@
                   <a:schemeClr val="tx1"/>
                 </a:solidFill>
                 <a:effectLst/>
-                <a:latin typeface="Arial" panose="020B0604020202020204" pitchFamily="34" charset="0"/>
               </a:rPr>
               <a:t>Les choix techniques influencent les dynamiques humaines</a:t>
             </a:r>
@@ -7309,7 +8908,6 @@
                   <a:schemeClr val="tx1"/>
                 </a:solidFill>
                 <a:effectLst/>
-                <a:latin typeface="Arial" panose="020B0604020202020204" pitchFamily="34" charset="0"/>
               </a:rPr>
             </a:br>
             <a:r>
@@ -7321,7 +8919,6 @@
                   <a:schemeClr val="tx1"/>
                 </a:solidFill>
                 <a:effectLst/>
-                <a:latin typeface="Arial" panose="020B0604020202020204" pitchFamily="34" charset="0"/>
               </a:rPr>
               <a:t>(architecture, dette technique, tests, outillage → facilitent ou compliquent la collaboration).</a:t>
             </a:r>
@@ -7351,7 +8948,6 @@
                 <a:schemeClr val="tx1"/>
               </a:solidFill>
               <a:effectLst/>
-              <a:latin typeface="Arial" panose="020B0604020202020204" pitchFamily="34" charset="0"/>
             </a:endParaRPr>
           </a:p>
           <a:p>
@@ -7379,7 +8975,6 @@
                   <a:schemeClr val="tx1"/>
                 </a:solidFill>
                 <a:effectLst/>
-                <a:latin typeface="Arial" panose="020B0604020202020204" pitchFamily="34" charset="0"/>
               </a:rPr>
               <a:t>Les interactions humaines influencent la qualité technique</a:t>
             </a:r>
@@ -7392,7 +8987,6 @@
                   <a:schemeClr val="tx1"/>
                 </a:solidFill>
                 <a:effectLst/>
-                <a:latin typeface="Arial" panose="020B0604020202020204" pitchFamily="34" charset="0"/>
               </a:rPr>
             </a:br>
             <a:r>
@@ -7404,7 +8998,6 @@
                   <a:schemeClr val="tx1"/>
                 </a:solidFill>
                 <a:effectLst/>
-                <a:latin typeface="Arial" panose="020B0604020202020204" pitchFamily="34" charset="0"/>
               </a:rPr>
               <a:t>(communication, culture d’équipe, feedback, psychologie → affectent la conception et le code).</a:t>
             </a:r>
@@ -7434,7 +9027,6 @@
                 <a:schemeClr val="tx1"/>
               </a:solidFill>
               <a:effectLst/>
-              <a:latin typeface="Arial" panose="020B0604020202020204" pitchFamily="34" charset="0"/>
             </a:endParaRPr>
           </a:p>
           <a:p>
@@ -7462,7 +9054,6 @@
                   <a:schemeClr val="tx1"/>
                 </a:solidFill>
                 <a:effectLst/>
-                <a:latin typeface="Arial" panose="020B0604020202020204" pitchFamily="34" charset="0"/>
               </a:rPr>
               <a:t>Le logiciel est un objet collectif</a:t>
             </a:r>
@@ -7475,7 +9066,6 @@
                   <a:schemeClr val="tx1"/>
                 </a:solidFill>
                 <a:effectLst/>
-                <a:latin typeface="Arial" panose="020B0604020202020204" pitchFamily="34" charset="0"/>
               </a:rPr>
               <a:t> </a:t>
             </a:r>
@@ -7497,9 +9087,7 @@
               <a:tabLst/>
             </a:pPr>
             <a:r>
-              <a:rPr lang="fr-FR" altLang="fr-FR" dirty="0">
-                <a:latin typeface="Arial" panose="020B0604020202020204" pitchFamily="34" charset="0"/>
-              </a:rPr>
+              <a:rPr lang="fr-FR" altLang="fr-FR" dirty="0"/>
               <a:t>(</a:t>
             </a:r>
             <a:r>
@@ -7511,7 +9099,6 @@
                   <a:schemeClr val="tx1"/>
                 </a:solidFill>
                 <a:effectLst/>
-                <a:latin typeface="Arial" panose="020B0604020202020204" pitchFamily="34" charset="0"/>
               </a:rPr>
               <a:t>impossible de le dissocier des processus, de la culture ou des relations de l’équipe).</a:t>
             </a:r>
@@ -7541,7 +9128,6 @@
                 <a:schemeClr val="tx1"/>
               </a:solidFill>
               <a:effectLst/>
-              <a:latin typeface="Arial" panose="020B0604020202020204" pitchFamily="34" charset="0"/>
             </a:endParaRPr>
           </a:p>
           <a:p>
@@ -7569,7 +9155,6 @@
                   <a:schemeClr val="tx1"/>
                 </a:solidFill>
                 <a:effectLst/>
-                <a:latin typeface="Arial" panose="020B0604020202020204" pitchFamily="34" charset="0"/>
               </a:rPr>
               <a:t>Compétences sociales = compétences techniques</a:t>
             </a:r>
@@ -7582,7 +9167,6 @@
                   <a:schemeClr val="tx1"/>
                 </a:solidFill>
                 <a:effectLst/>
-                <a:latin typeface="Arial" panose="020B0604020202020204" pitchFamily="34" charset="0"/>
               </a:rPr>
             </a:br>
             <a:r>
@@ -7594,7 +9178,6 @@
                   <a:schemeClr val="tx1"/>
                 </a:solidFill>
                 <a:effectLst/>
-                <a:latin typeface="Arial" panose="020B0604020202020204" pitchFamily="34" charset="0"/>
               </a:rPr>
               <a:t>(prise de décision collective, facilitation, design collaboratif, pair </a:t>
             </a:r>
@@ -7607,7 +9190,6 @@
                   <a:schemeClr val="tx1"/>
                 </a:solidFill>
                 <a:effectLst/>
-                <a:latin typeface="Arial" panose="020B0604020202020204" pitchFamily="34" charset="0"/>
               </a:rPr>
               <a:t>programming</a:t>
             </a:r>
@@ -7620,7 +9202,6 @@
                   <a:schemeClr val="tx1"/>
                 </a:solidFill>
                 <a:effectLst/>
-                <a:latin typeface="Arial" panose="020B0604020202020204" pitchFamily="34" charset="0"/>
               </a:rPr>
               <a:t>, posture d’apprentissage…).</a:t>
             </a:r>
@@ -7663,6 +9244,630 @@
         <p14:creationId xmlns:p14="http://schemas.microsoft.com/office/powerpoint/2010/main" val="2906961072"/>
       </p:ext>
     </p:extLst>
+  </p:cSld>
+  <p:clrMapOvr>
+    <a:masterClrMapping/>
+  </p:clrMapOvr>
+</p:sld>
+</file>
+
+<file path=ppt/slides/slide6.xml><?xml version="1.0" encoding="utf-8"?>
+<p:sld xmlns:a="http://schemas.openxmlformats.org/drawingml/2006/main" xmlns:r="http://schemas.openxmlformats.org/officeDocument/2006/relationships" xmlns:p="http://schemas.openxmlformats.org/presentationml/2006/main">
+  <p:cSld>
+    <p:spTree>
+      <p:nvGrpSpPr>
+        <p:cNvPr id="1" name="">
+          <a:extLst>
+            <a:ext uri="{FF2B5EF4-FFF2-40B4-BE49-F238E27FC236}">
+              <a16:creationId xmlns:a16="http://schemas.microsoft.com/office/drawing/2014/main" id="{7AAD479B-B83D-D7C6-AE27-AB111E349C98}"/>
+            </a:ext>
+          </a:extLst>
+        </p:cNvPr>
+        <p:cNvGrpSpPr/>
+        <p:nvPr/>
+      </p:nvGrpSpPr>
+      <p:grpSpPr>
+        <a:xfrm>
+          <a:off x="0" y="0"/>
+          <a:ext cx="0" cy="0"/>
+          <a:chOff x="0" y="0"/>
+          <a:chExt cx="0" cy="0"/>
+        </a:xfrm>
+      </p:grpSpPr>
+      <p:sp>
+        <p:nvSpPr>
+          <p:cNvPr id="2" name="Titre 1">
+            <a:extLst>
+              <a:ext uri="{FF2B5EF4-FFF2-40B4-BE49-F238E27FC236}">
+                <a16:creationId xmlns:a16="http://schemas.microsoft.com/office/drawing/2014/main" id="{6E37DFAD-8F35-3AF0-1B17-B30A8E52C381}"/>
+              </a:ext>
+            </a:extLst>
+          </p:cNvPr>
+          <p:cNvSpPr>
+            <a:spLocks noGrp="1"/>
+          </p:cNvSpPr>
+          <p:nvPr>
+            <p:ph type="title"/>
+          </p:nvPr>
+        </p:nvSpPr>
+        <p:spPr/>
+        <p:txBody>
+          <a:bodyPr>
+            <a:normAutofit/>
+          </a:bodyPr>
+          <a:lstStyle/>
+          <a:p>
+            <a:r>
+              <a:rPr lang="fr-FR" sz="5400" b="1" dirty="0"/>
+              <a:t>En Détails </a:t>
+            </a:r>
+          </a:p>
+        </p:txBody>
+      </p:sp>
+      <p:sp>
+        <p:nvSpPr>
+          <p:cNvPr id="4" name="Rectangle 1">
+            <a:extLst>
+              <a:ext uri="{FF2B5EF4-FFF2-40B4-BE49-F238E27FC236}">
+                <a16:creationId xmlns:a16="http://schemas.microsoft.com/office/drawing/2014/main" id="{74AF110B-D461-4BC6-4D56-EC9C529FBC3F}"/>
+              </a:ext>
+            </a:extLst>
+          </p:cNvPr>
+          <p:cNvSpPr>
+            <a:spLocks noGrp="1" noChangeArrowheads="1"/>
+          </p:cNvSpPr>
+          <p:nvPr>
+            <p:ph idx="1"/>
+          </p:nvPr>
+        </p:nvSpPr>
+        <p:spPr bwMode="auto">
+          <a:xfrm>
+            <a:off x="370115" y="1545516"/>
+            <a:ext cx="8630815" cy="4570482"/>
+          </a:xfrm>
+          <a:prstGeom prst="rect">
+            <a:avLst/>
+          </a:prstGeom>
+          <a:noFill/>
+          <a:ln>
+            <a:noFill/>
+          </a:ln>
+          <a:effectLst/>
+          <a:extLst>
+            <a:ext uri="{909E8E84-426E-40DD-AFC4-6F175D3DCCD1}">
+              <a14:hiddenFill xmlns:a14="http://schemas.microsoft.com/office/drawing/2010/main">
+                <a:solidFill>
+                  <a:schemeClr val="accent1"/>
+                </a:solidFill>
+              </a14:hiddenFill>
+            </a:ext>
+            <a:ext uri="{91240B29-F687-4F45-9708-019B960494DF}">
+              <a14:hiddenLine xmlns:a14="http://schemas.microsoft.com/office/drawing/2010/main" w="9525">
+                <a:solidFill>
+                  <a:schemeClr val="tx1"/>
+                </a:solidFill>
+                <a:miter lim="800000"/>
+                <a:headEnd/>
+                <a:tailEnd/>
+              </a14:hiddenLine>
+            </a:ext>
+            <a:ext uri="{AF507438-7753-43E0-B8FC-AC1667EBCBE1}">
+              <a14:hiddenEffects xmlns:a14="http://schemas.microsoft.com/office/drawing/2010/main">
+                <a:effectLst>
+                  <a:outerShdw dist="35921" dir="2700000" algn="ctr" rotWithShape="0">
+                    <a:schemeClr val="bg2"/>
+                  </a:outerShdw>
+                </a:effectLst>
+              </a14:hiddenEffects>
+            </a:ext>
+          </a:extLst>
+        </p:spPr>
+        <p:txBody>
+          <a:bodyPr vert="horz" wrap="square" lIns="91440" tIns="45720" rIns="91440" bIns="45720" numCol="1" anchor="ctr" anchorCtr="0" compatLnSpc="1">
+            <a:prstTxWarp prst="textNoShape">
+              <a:avLst/>
+            </a:prstTxWarp>
+            <a:spAutoFit/>
+          </a:bodyPr>
+          <a:lstStyle/>
+          <a:p>
+            <a:pPr fontAlgn="base"/>
+            <a:r>
+              <a:rPr lang="fr-FR" sz="3600" cap="all" dirty="0" err="1">
+                <a:ln w="3175" cmpd="sng">
+                  <a:noFill/>
+                </a:ln>
+                <a:latin typeface="+mj-lt"/>
+                <a:ea typeface="+mj-ea"/>
+                <a:cs typeface="+mj-cs"/>
+              </a:rPr>
+              <a:t>Ncraft</a:t>
+            </a:r>
+            <a:r>
+              <a:rPr lang="fr-FR" sz="3600" cap="all" dirty="0">
+                <a:ln w="3175" cmpd="sng">
+                  <a:noFill/>
+                </a:ln>
+                <a:latin typeface="+mj-lt"/>
+                <a:ea typeface="+mj-ea"/>
+                <a:cs typeface="+mj-cs"/>
+              </a:rPr>
+              <a:t> c’est </a:t>
+            </a:r>
+          </a:p>
+          <a:p>
+            <a:pPr lvl="1" fontAlgn="base"/>
+            <a:r>
+              <a:rPr lang="fr-FR" sz="1800" dirty="0"/>
+              <a:t> 26 conférences, </a:t>
+            </a:r>
+          </a:p>
+          <a:p>
+            <a:pPr lvl="1" fontAlgn="base"/>
+            <a:r>
+              <a:rPr lang="fr-FR" sz="1800" dirty="0"/>
+              <a:t>8 </a:t>
+            </a:r>
+            <a:r>
+              <a:rPr lang="fr-FR" sz="1800" dirty="0" err="1"/>
+              <a:t>handsons</a:t>
+            </a:r>
+            <a:r>
+              <a:rPr lang="fr-FR" sz="1800" dirty="0"/>
+              <a:t> </a:t>
+            </a:r>
+          </a:p>
+          <a:p>
+            <a:pPr marL="457200" lvl="1" indent="0" fontAlgn="base">
+              <a:buNone/>
+            </a:pPr>
+            <a:endParaRPr lang="fr-FR" sz="1800" dirty="0"/>
+          </a:p>
+          <a:p>
+            <a:pPr fontAlgn="base"/>
+            <a:r>
+              <a:rPr lang="fr-FR" sz="3600" cap="all" dirty="0">
+                <a:ln w="3175" cmpd="sng">
+                  <a:noFill/>
+                </a:ln>
+                <a:latin typeface="+mj-lt"/>
+                <a:ea typeface="+mj-ea"/>
+                <a:cs typeface="+mj-cs"/>
+              </a:rPr>
+              <a:t>On a vu 13 conférences</a:t>
+            </a:r>
+          </a:p>
+          <a:p>
+            <a:pPr lvl="1" fontAlgn="base"/>
+            <a:r>
+              <a:rPr lang="fr-FR" sz="1800" dirty="0"/>
+              <a:t>Technique de dev</a:t>
+            </a:r>
+          </a:p>
+          <a:p>
+            <a:pPr lvl="1" fontAlgn="base"/>
+            <a:r>
+              <a:rPr lang="fr-FR" sz="1800" dirty="0" err="1"/>
+              <a:t>Refactoring</a:t>
+            </a:r>
+            <a:r>
+              <a:rPr lang="fr-FR" sz="1800" dirty="0"/>
+              <a:t> de code</a:t>
+            </a:r>
+          </a:p>
+          <a:p>
+            <a:pPr lvl="1" fontAlgn="base"/>
+            <a:r>
+              <a:rPr lang="fr-FR" sz="1800" dirty="0"/>
+              <a:t>Des inclassables</a:t>
+            </a:r>
+          </a:p>
+          <a:p>
+            <a:pPr lvl="1" fontAlgn="base"/>
+            <a:r>
+              <a:rPr lang="fr-FR" sz="1800" dirty="0"/>
+              <a:t>Des Rex</a:t>
+            </a:r>
+          </a:p>
+          <a:p>
+            <a:pPr lvl="1" fontAlgn="base"/>
+            <a:r>
+              <a:rPr lang="fr-FR" sz="1800" dirty="0"/>
+              <a:t>…</a:t>
+            </a:r>
+          </a:p>
+        </p:txBody>
+      </p:sp>
+      <p:pic>
+        <p:nvPicPr>
+          <p:cNvPr id="5" name="Image 4">
+            <a:extLst>
+              <a:ext uri="{FF2B5EF4-FFF2-40B4-BE49-F238E27FC236}">
+                <a16:creationId xmlns:a16="http://schemas.microsoft.com/office/drawing/2014/main" id="{2B479FEE-EB02-6000-AEB5-271EC5FB9657}"/>
+              </a:ext>
+            </a:extLst>
+          </p:cNvPr>
+          <p:cNvPicPr>
+            <a:picLocks noChangeAspect="1"/>
+          </p:cNvPicPr>
+          <p:nvPr/>
+        </p:nvPicPr>
+        <p:blipFill>
+          <a:blip r:embed="rId3"/>
+          <a:stretch>
+            <a:fillRect/>
+          </a:stretch>
+        </p:blipFill>
+        <p:spPr>
+          <a:xfrm>
+            <a:off x="10946892" y="5774436"/>
+            <a:ext cx="1147572" cy="1147572"/>
+          </a:xfrm>
+          <a:prstGeom prst="rect">
+            <a:avLst/>
+          </a:prstGeom>
+        </p:spPr>
+      </p:pic>
+    </p:spTree>
+    <p:extLst>
+      <p:ext uri="{BB962C8B-B14F-4D97-AF65-F5344CB8AC3E}">
+        <p14:creationId xmlns:p14="http://schemas.microsoft.com/office/powerpoint/2010/main" val="3477419498"/>
+      </p:ext>
+    </p:extLst>
+  </p:cSld>
+  <p:clrMapOvr>
+    <a:masterClrMapping/>
+  </p:clrMapOvr>
+</p:sld>
+</file>
+
+<file path=ppt/slides/slide7.xml><?xml version="1.0" encoding="utf-8"?>
+<p:sld xmlns:a="http://schemas.openxmlformats.org/drawingml/2006/main" xmlns:r="http://schemas.openxmlformats.org/officeDocument/2006/relationships" xmlns:p="http://schemas.openxmlformats.org/presentationml/2006/main">
+  <p:cSld>
+    <p:spTree>
+      <p:nvGrpSpPr>
+        <p:cNvPr id="1" name="Shape 159"/>
+        <p:cNvGrpSpPr/>
+        <p:nvPr/>
+      </p:nvGrpSpPr>
+      <p:grpSpPr>
+        <a:xfrm>
+          <a:off x="0" y="0"/>
+          <a:ext cx="0" cy="0"/>
+          <a:chOff x="0" y="0"/>
+          <a:chExt cx="0" cy="0"/>
+        </a:xfrm>
+      </p:grpSpPr>
+      <p:sp>
+        <p:nvSpPr>
+          <p:cNvPr id="160" name="Google Shape;160;p3"/>
+          <p:cNvSpPr txBox="1">
+            <a:spLocks noGrp="1"/>
+          </p:cNvSpPr>
+          <p:nvPr>
+            <p:ph type="title"/>
+          </p:nvPr>
+        </p:nvSpPr>
+        <p:spPr>
+          <a:xfrm>
+            <a:off x="677334" y="306565"/>
+            <a:ext cx="8596668" cy="510073"/>
+          </a:xfrm>
+          <a:prstGeom prst="rect">
+            <a:avLst/>
+          </a:prstGeom>
+          <a:noFill/>
+          <a:ln>
+            <a:noFill/>
+          </a:ln>
+        </p:spPr>
+        <p:txBody>
+          <a:bodyPr spcFirstLastPara="1" wrap="square" lIns="91425" tIns="45700" rIns="91425" bIns="45700" anchor="t" anchorCtr="0">
+            <a:normAutofit fontScale="90000"/>
+          </a:bodyPr>
+          <a:lstStyle/>
+          <a:p>
+            <a:pPr marL="0" lvl="0" indent="0">
+              <a:spcAft>
+                <a:spcPts val="0"/>
+              </a:spcAft>
+              <a:buClr>
+                <a:schemeClr val="accent1"/>
+              </a:buClr>
+              <a:buSzPct val="100000"/>
+            </a:pPr>
+            <a:r>
+              <a:rPr lang="fr-FR" sz="5400" b="1" dirty="0"/>
+              <a:t>Les conférences marquantes</a:t>
+            </a:r>
+            <a:endParaRPr sz="5400" b="1" dirty="0"/>
+          </a:p>
+        </p:txBody>
+      </p:sp>
+      <p:sp>
+        <p:nvSpPr>
+          <p:cNvPr id="161" name="Google Shape;161;p3"/>
+          <p:cNvSpPr txBox="1">
+            <a:spLocks noGrp="1"/>
+          </p:cNvSpPr>
+          <p:nvPr>
+            <p:ph type="body" idx="1"/>
+          </p:nvPr>
+        </p:nvSpPr>
+        <p:spPr>
+          <a:xfrm>
+            <a:off x="677334" y="1561323"/>
+            <a:ext cx="8596800" cy="4479900"/>
+          </a:xfrm>
+          <a:prstGeom prst="rect">
+            <a:avLst/>
+          </a:prstGeom>
+          <a:noFill/>
+          <a:ln>
+            <a:noFill/>
+          </a:ln>
+        </p:spPr>
+        <p:txBody>
+          <a:bodyPr spcFirstLastPara="1" wrap="square" lIns="91425" tIns="45700" rIns="91425" bIns="45700" anchor="t" anchorCtr="0">
+            <a:normAutofit/>
+          </a:bodyPr>
+          <a:lstStyle/>
+          <a:p>
+            <a:pPr marL="342900" lvl="0" indent="-342900" algn="l" rtl="0">
+              <a:spcBef>
+                <a:spcPts val="0"/>
+              </a:spcBef>
+              <a:spcAft>
+                <a:spcPts val="0"/>
+              </a:spcAft>
+              <a:buSzPts val="1440"/>
+              <a:buChar char="►"/>
+            </a:pPr>
+            <a:r>
+              <a:rPr lang="fr-FR"/>
+              <a:t> </a:t>
+            </a:r>
+            <a:endParaRPr/>
+          </a:p>
+        </p:txBody>
+      </p:sp>
+    </p:spTree>
+  </p:cSld>
+  <p:clrMapOvr>
+    <a:masterClrMapping/>
+  </p:clrMapOvr>
+</p:sld>
+</file>
+
+<file path=ppt/slides/slide8.xml><?xml version="1.0" encoding="utf-8"?>
+<p:sld xmlns:a="http://schemas.openxmlformats.org/drawingml/2006/main" xmlns:r="http://schemas.openxmlformats.org/officeDocument/2006/relationships" xmlns:p="http://schemas.openxmlformats.org/presentationml/2006/main">
+  <p:cSld>
+    <p:spTree>
+      <p:nvGrpSpPr>
+        <p:cNvPr id="1" name="Shape 165"/>
+        <p:cNvGrpSpPr/>
+        <p:nvPr/>
+      </p:nvGrpSpPr>
+      <p:grpSpPr>
+        <a:xfrm>
+          <a:off x="0" y="0"/>
+          <a:ext cx="0" cy="0"/>
+          <a:chOff x="0" y="0"/>
+          <a:chExt cx="0" cy="0"/>
+        </a:xfrm>
+      </p:grpSpPr>
+      <p:sp>
+        <p:nvSpPr>
+          <p:cNvPr id="166" name="Google Shape;166;p4"/>
+          <p:cNvSpPr txBox="1">
+            <a:spLocks noGrp="1"/>
+          </p:cNvSpPr>
+          <p:nvPr>
+            <p:ph type="title"/>
+          </p:nvPr>
+        </p:nvSpPr>
+        <p:spPr>
+          <a:xfrm>
+            <a:off x="677334" y="306565"/>
+            <a:ext cx="8596668" cy="510073"/>
+          </a:xfrm>
+          <a:prstGeom prst="rect">
+            <a:avLst/>
+          </a:prstGeom>
+          <a:noFill/>
+          <a:ln>
+            <a:noFill/>
+          </a:ln>
+        </p:spPr>
+        <p:txBody>
+          <a:bodyPr spcFirstLastPara="1" wrap="square" lIns="91425" tIns="45700" rIns="91425" bIns="45700" anchor="t" anchorCtr="0">
+            <a:normAutofit fontScale="90000"/>
+          </a:bodyPr>
+          <a:lstStyle/>
+          <a:p>
+            <a:pPr marL="0" lvl="0" indent="0">
+              <a:spcAft>
+                <a:spcPts val="0"/>
+              </a:spcAft>
+              <a:buClr>
+                <a:schemeClr val="accent1"/>
+              </a:buClr>
+              <a:buSzPct val="100000"/>
+            </a:pPr>
+            <a:r>
+              <a:rPr lang="fr-FR" sz="5400" b="1" dirty="0"/>
+              <a:t>Model Tension </a:t>
+            </a:r>
+            <a:r>
+              <a:rPr lang="fr-FR" sz="5400" b="1" dirty="0" err="1"/>
+              <a:t>Heuristics</a:t>
+            </a:r>
+            <a:r>
+              <a:rPr lang="fr-FR" sz="5400" b="1" dirty="0"/>
+              <a:t> </a:t>
+            </a:r>
+            <a:endParaRPr sz="5400" b="1" dirty="0"/>
+          </a:p>
+        </p:txBody>
+      </p:sp>
+      <p:sp>
+        <p:nvSpPr>
+          <p:cNvPr id="167" name="Google Shape;167;p4"/>
+          <p:cNvSpPr txBox="1">
+            <a:spLocks noGrp="1"/>
+          </p:cNvSpPr>
+          <p:nvPr>
+            <p:ph type="body" idx="1"/>
+          </p:nvPr>
+        </p:nvSpPr>
+        <p:spPr>
+          <a:xfrm>
+            <a:off x="677334" y="2160589"/>
+            <a:ext cx="8596668" cy="3880773"/>
+          </a:xfrm>
+          <a:prstGeom prst="rect">
+            <a:avLst/>
+          </a:prstGeom>
+          <a:noFill/>
+          <a:ln>
+            <a:noFill/>
+          </a:ln>
+        </p:spPr>
+        <p:txBody>
+          <a:bodyPr spcFirstLastPara="1" wrap="square" lIns="91425" tIns="45700" rIns="91425" bIns="45700" anchor="t" anchorCtr="0">
+            <a:normAutofit/>
+          </a:bodyPr>
+          <a:lstStyle/>
+          <a:p>
+            <a:pPr marL="342900" lvl="0" indent="-251459" algn="l" rtl="0">
+              <a:spcBef>
+                <a:spcPts val="0"/>
+              </a:spcBef>
+              <a:spcAft>
+                <a:spcPts val="0"/>
+              </a:spcAft>
+              <a:buSzPts val="1440"/>
+              <a:buNone/>
+            </a:pPr>
+            <a:endParaRPr/>
+          </a:p>
+        </p:txBody>
+      </p:sp>
+    </p:spTree>
+  </p:cSld>
+  <p:clrMapOvr>
+    <a:masterClrMapping/>
+  </p:clrMapOvr>
+</p:sld>
+</file>
+
+<file path=ppt/slides/slide9.xml><?xml version="1.0" encoding="utf-8"?>
+<p:sld xmlns:a="http://schemas.openxmlformats.org/drawingml/2006/main" xmlns:r="http://schemas.openxmlformats.org/officeDocument/2006/relationships" xmlns:p="http://schemas.openxmlformats.org/presentationml/2006/main">
+  <p:cSld>
+    <p:spTree>
+      <p:nvGrpSpPr>
+        <p:cNvPr id="1" name="Shape 171"/>
+        <p:cNvGrpSpPr/>
+        <p:nvPr/>
+      </p:nvGrpSpPr>
+      <p:grpSpPr>
+        <a:xfrm>
+          <a:off x="0" y="0"/>
+          <a:ext cx="0" cy="0"/>
+          <a:chOff x="0" y="0"/>
+          <a:chExt cx="0" cy="0"/>
+        </a:xfrm>
+      </p:grpSpPr>
+      <p:sp>
+        <p:nvSpPr>
+          <p:cNvPr id="172" name="Google Shape;172;p5"/>
+          <p:cNvSpPr txBox="1">
+            <a:spLocks noGrp="1"/>
+          </p:cNvSpPr>
+          <p:nvPr>
+            <p:ph type="title"/>
+          </p:nvPr>
+        </p:nvSpPr>
+        <p:spPr>
+          <a:xfrm>
+            <a:off x="677333" y="306565"/>
+            <a:ext cx="10581605" cy="881533"/>
+          </a:xfrm>
+          <a:prstGeom prst="rect">
+            <a:avLst/>
+          </a:prstGeom>
+          <a:noFill/>
+          <a:ln>
+            <a:noFill/>
+          </a:ln>
+        </p:spPr>
+        <p:txBody>
+          <a:bodyPr spcFirstLastPara="1" wrap="square" lIns="91425" tIns="45700" rIns="91425" bIns="45700" anchor="t" anchorCtr="0">
+            <a:normAutofit fontScale="90000"/>
+          </a:bodyPr>
+          <a:lstStyle/>
+          <a:p>
+            <a:pPr marL="0" lvl="0" indent="0">
+              <a:spcAft>
+                <a:spcPts val="0"/>
+              </a:spcAft>
+              <a:buClr>
+                <a:schemeClr val="accent1"/>
+              </a:buClr>
+              <a:buSzPct val="100000"/>
+            </a:pPr>
+            <a:r>
+              <a:rPr lang="fr-FR" sz="5400" b="1" dirty="0"/>
+              <a:t>Domain Driven Transformation</a:t>
+            </a:r>
+            <a:endParaRPr sz="5400" b="1" dirty="0"/>
+          </a:p>
+        </p:txBody>
+      </p:sp>
+      <p:sp>
+        <p:nvSpPr>
+          <p:cNvPr id="173" name="Google Shape;173;p5"/>
+          <p:cNvSpPr txBox="1">
+            <a:spLocks noGrp="1"/>
+          </p:cNvSpPr>
+          <p:nvPr>
+            <p:ph type="body" idx="1"/>
+          </p:nvPr>
+        </p:nvSpPr>
+        <p:spPr>
+          <a:xfrm>
+            <a:off x="677334" y="2160589"/>
+            <a:ext cx="8596668" cy="3880773"/>
+          </a:xfrm>
+          <a:prstGeom prst="rect">
+            <a:avLst/>
+          </a:prstGeom>
+          <a:noFill/>
+          <a:ln>
+            <a:noFill/>
+          </a:ln>
+        </p:spPr>
+        <p:txBody>
+          <a:bodyPr spcFirstLastPara="1" wrap="square" lIns="91425" tIns="45700" rIns="91425" bIns="45700" anchor="t" anchorCtr="0">
+            <a:normAutofit/>
+          </a:bodyPr>
+          <a:lstStyle/>
+          <a:p>
+            <a:pPr marL="342900" lvl="0" indent="-251459" algn="l" rtl="0">
+              <a:spcBef>
+                <a:spcPts val="0"/>
+              </a:spcBef>
+              <a:spcAft>
+                <a:spcPts val="0"/>
+              </a:spcAft>
+              <a:buSzPts val="1440"/>
+              <a:buNone/>
+            </a:pPr>
+            <a:endParaRPr/>
+          </a:p>
+        </p:txBody>
+      </p:sp>
+    </p:spTree>
   </p:cSld>
   <p:clrMapOvr>
     <a:masterClrMapping/>
@@ -7917,4 +10122,299 @@
     </a:ext>
   </a:extLst>
 </a:theme>
+</file>
+
+<file path=ppt/theme/theme2.xml><?xml version="1.0" encoding="utf-8"?>
+<a:theme xmlns:a="http://schemas.openxmlformats.org/drawingml/2006/main" name="Thème Office">
+  <a:themeElements>
+    <a:clrScheme name="Office">
+      <a:dk1>
+        <a:sysClr val="windowText" lastClr="000000"/>
+      </a:dk1>
+      <a:lt1>
+        <a:sysClr val="window" lastClr="FFFFFF"/>
+      </a:lt1>
+      <a:dk2>
+        <a:srgbClr val="44546A"/>
+      </a:dk2>
+      <a:lt2>
+        <a:srgbClr val="E7E6E6"/>
+      </a:lt2>
+      <a:accent1>
+        <a:srgbClr val="4472C4"/>
+      </a:accent1>
+      <a:accent2>
+        <a:srgbClr val="ED7D31"/>
+      </a:accent2>
+      <a:accent3>
+        <a:srgbClr val="A5A5A5"/>
+      </a:accent3>
+      <a:accent4>
+        <a:srgbClr val="FFC000"/>
+      </a:accent4>
+      <a:accent5>
+        <a:srgbClr val="5B9BD5"/>
+      </a:accent5>
+      <a:accent6>
+        <a:srgbClr val="70AD47"/>
+      </a:accent6>
+      <a:hlink>
+        <a:srgbClr val="0563C1"/>
+      </a:hlink>
+      <a:folHlink>
+        <a:srgbClr val="954F72"/>
+      </a:folHlink>
+    </a:clrScheme>
+    <a:fontScheme name="Office">
+      <a:majorFont>
+        <a:latin typeface="Calibri Light" panose="020F0302020204030204"/>
+        <a:ea typeface=""/>
+        <a:cs typeface=""/>
+        <a:font script="Jpan" typeface="游ゴシック Light"/>
+        <a:font script="Hang" typeface="맑은 고딕"/>
+        <a:font script="Hans" typeface="等线 Light"/>
+        <a:font script="Hant" typeface="新細明體"/>
+        <a:font script="Arab" typeface="Times New Roman"/>
+        <a:font script="Hebr" typeface="Times New Roman"/>
+        <a:font script="Thai" typeface="Angsana New"/>
+        <a:font script="Ethi" typeface="Nyala"/>
+        <a:font script="Beng" typeface="Vrinda"/>
+        <a:font script="Gujr" typeface="Shruti"/>
+        <a:font script="Khmr" typeface="MoolBoran"/>
+        <a:font script="Knda" typeface="Tunga"/>
+        <a:font script="Guru" typeface="Raavi"/>
+        <a:font script="Cans" typeface="Euphemia"/>
+        <a:font script="Cher" typeface="Plantagenet Cherokee"/>
+        <a:font script="Yiii" typeface="Microsoft Yi Baiti"/>
+        <a:font script="Tibt" typeface="Microsoft Himalaya"/>
+        <a:font script="Thaa" typeface="MV Boli"/>
+        <a:font script="Deva" typeface="Mangal"/>
+        <a:font script="Telu" typeface="Gautami"/>
+        <a:font script="Taml" typeface="Latha"/>
+        <a:font script="Syrc" typeface="Estrangelo Edessa"/>
+        <a:font script="Orya" typeface="Kalinga"/>
+        <a:font script="Mlym" typeface="Kartika"/>
+        <a:font script="Laoo" typeface="DokChampa"/>
+        <a:font script="Sinh" typeface="Iskoola Pota"/>
+        <a:font script="Mong" typeface="Mongolian Baiti"/>
+        <a:font script="Viet" typeface="Times New Roman"/>
+        <a:font script="Uigh" typeface="Microsoft Uighur"/>
+        <a:font script="Geor" typeface="Sylfaen"/>
+        <a:font script="Armn" typeface="Arial"/>
+        <a:font script="Bugi" typeface="Leelawadee UI"/>
+        <a:font script="Bopo" typeface="Microsoft JhengHei"/>
+        <a:font script="Java" typeface="Javanese Text"/>
+        <a:font script="Lisu" typeface="Segoe UI"/>
+        <a:font script="Mymr" typeface="Myanmar Text"/>
+        <a:font script="Nkoo" typeface="Ebrima"/>
+        <a:font script="Olck" typeface="Nirmala UI"/>
+        <a:font script="Osma" typeface="Ebrima"/>
+        <a:font script="Phag" typeface="Phagspa"/>
+        <a:font script="Syrn" typeface="Estrangelo Edessa"/>
+        <a:font script="Syrj" typeface="Estrangelo Edessa"/>
+        <a:font script="Syre" typeface="Estrangelo Edessa"/>
+        <a:font script="Sora" typeface="Nirmala UI"/>
+        <a:font script="Tale" typeface="Microsoft Tai Le"/>
+        <a:font script="Talu" typeface="Microsoft New Tai Lue"/>
+        <a:font script="Tfng" typeface="Ebrima"/>
+      </a:majorFont>
+      <a:minorFont>
+        <a:latin typeface="Calibri" panose="020F0502020204030204"/>
+        <a:ea typeface=""/>
+        <a:cs typeface=""/>
+        <a:font script="Jpan" typeface="游ゴシック"/>
+        <a:font script="Hang" typeface="맑은 고딕"/>
+        <a:font script="Hans" typeface="等线"/>
+        <a:font script="Hant" typeface="新細明體"/>
+        <a:font script="Arab" typeface="Arial"/>
+        <a:font script="Hebr" typeface="Arial"/>
+        <a:font script="Thai" typeface="Cordia New"/>
+        <a:font script="Ethi" typeface="Nyala"/>
+        <a:font script="Beng" typeface="Vrinda"/>
+        <a:font script="Gujr" typeface="Shruti"/>
+        <a:font script="Khmr" typeface="DaunPenh"/>
+        <a:font script="Knda" typeface="Tunga"/>
+        <a:font script="Guru" typeface="Raavi"/>
+        <a:font script="Cans" typeface="Euphemia"/>
+        <a:font script="Cher" typeface="Plantagenet Cherokee"/>
+        <a:font script="Yiii" typeface="Microsoft Yi Baiti"/>
+        <a:font script="Tibt" typeface="Microsoft Himalaya"/>
+        <a:font script="Thaa" typeface="MV Boli"/>
+        <a:font script="Deva" typeface="Mangal"/>
+        <a:font script="Telu" typeface="Gautami"/>
+        <a:font script="Taml" typeface="Latha"/>
+        <a:font script="Syrc" typeface="Estrangelo Edessa"/>
+        <a:font script="Orya" typeface="Kalinga"/>
+        <a:font script="Mlym" typeface="Kartika"/>
+        <a:font script="Laoo" typeface="DokChampa"/>
+        <a:font script="Sinh" typeface="Iskoola Pota"/>
+        <a:font script="Mong" typeface="Mongolian Baiti"/>
+        <a:font script="Viet" typeface="Arial"/>
+        <a:font script="Uigh" typeface="Microsoft Uighur"/>
+        <a:font script="Geor" typeface="Sylfaen"/>
+        <a:font script="Armn" typeface="Arial"/>
+        <a:font script="Bugi" typeface="Leelawadee UI"/>
+        <a:font script="Bopo" typeface="Microsoft JhengHei"/>
+        <a:font script="Java" typeface="Javanese Text"/>
+        <a:font script="Lisu" typeface="Segoe UI"/>
+        <a:font script="Mymr" typeface="Myanmar Text"/>
+        <a:font script="Nkoo" typeface="Ebrima"/>
+        <a:font script="Olck" typeface="Nirmala UI"/>
+        <a:font script="Osma" typeface="Ebrima"/>
+        <a:font script="Phag" typeface="Phagspa"/>
+        <a:font script="Syrn" typeface="Estrangelo Edessa"/>
+        <a:font script="Syrj" typeface="Estrangelo Edessa"/>
+        <a:font script="Syre" typeface="Estrangelo Edessa"/>
+        <a:font script="Sora" typeface="Nirmala UI"/>
+        <a:font script="Tale" typeface="Microsoft Tai Le"/>
+        <a:font script="Talu" typeface="Microsoft New Tai Lue"/>
+        <a:font script="Tfng" typeface="Ebrima"/>
+      </a:minorFont>
+    </a:fontScheme>
+    <a:fmtScheme name="Office">
+      <a:fillStyleLst>
+        <a:solidFill>
+          <a:schemeClr val="phClr"/>
+        </a:solidFill>
+        <a:gradFill rotWithShape="1">
+          <a:gsLst>
+            <a:gs pos="0">
+              <a:schemeClr val="phClr">
+                <a:lumMod val="110000"/>
+                <a:satMod val="105000"/>
+                <a:tint val="67000"/>
+              </a:schemeClr>
+            </a:gs>
+            <a:gs pos="50000">
+              <a:schemeClr val="phClr">
+                <a:lumMod val="105000"/>
+                <a:satMod val="103000"/>
+                <a:tint val="73000"/>
+              </a:schemeClr>
+            </a:gs>
+            <a:gs pos="100000">
+              <a:schemeClr val="phClr">
+                <a:lumMod val="105000"/>
+                <a:satMod val="109000"/>
+                <a:tint val="81000"/>
+              </a:schemeClr>
+            </a:gs>
+          </a:gsLst>
+          <a:lin ang="5400000" scaled="0"/>
+        </a:gradFill>
+        <a:gradFill rotWithShape="1">
+          <a:gsLst>
+            <a:gs pos="0">
+              <a:schemeClr val="phClr">
+                <a:satMod val="103000"/>
+                <a:lumMod val="102000"/>
+                <a:tint val="94000"/>
+              </a:schemeClr>
+            </a:gs>
+            <a:gs pos="50000">
+              <a:schemeClr val="phClr">
+                <a:satMod val="110000"/>
+                <a:lumMod val="100000"/>
+                <a:shade val="100000"/>
+              </a:schemeClr>
+            </a:gs>
+            <a:gs pos="100000">
+              <a:schemeClr val="phClr">
+                <a:lumMod val="99000"/>
+                <a:satMod val="120000"/>
+                <a:shade val="78000"/>
+              </a:schemeClr>
+            </a:gs>
+          </a:gsLst>
+          <a:lin ang="5400000" scaled="0"/>
+        </a:gradFill>
+      </a:fillStyleLst>
+      <a:lnStyleLst>
+        <a:ln w="6350" cap="flat" cmpd="sng" algn="ctr">
+          <a:solidFill>
+            <a:schemeClr val="phClr"/>
+          </a:solidFill>
+          <a:prstDash val="solid"/>
+          <a:miter lim="800000"/>
+        </a:ln>
+        <a:ln w="12700" cap="flat" cmpd="sng" algn="ctr">
+          <a:solidFill>
+            <a:schemeClr val="phClr"/>
+          </a:solidFill>
+          <a:prstDash val="solid"/>
+          <a:miter lim="800000"/>
+        </a:ln>
+        <a:ln w="19050" cap="flat" cmpd="sng" algn="ctr">
+          <a:solidFill>
+            <a:schemeClr val="phClr"/>
+          </a:solidFill>
+          <a:prstDash val="solid"/>
+          <a:miter lim="800000"/>
+        </a:ln>
+      </a:lnStyleLst>
+      <a:effectStyleLst>
+        <a:effectStyle>
+          <a:effectLst/>
+        </a:effectStyle>
+        <a:effectStyle>
+          <a:effectLst/>
+        </a:effectStyle>
+        <a:effectStyle>
+          <a:effectLst>
+            <a:outerShdw blurRad="57150" dist="19050" dir="5400000" algn="ctr" rotWithShape="0">
+              <a:srgbClr val="000000">
+                <a:alpha val="63000"/>
+              </a:srgbClr>
+            </a:outerShdw>
+          </a:effectLst>
+        </a:effectStyle>
+      </a:effectStyleLst>
+      <a:bgFillStyleLst>
+        <a:solidFill>
+          <a:schemeClr val="phClr"/>
+        </a:solidFill>
+        <a:solidFill>
+          <a:schemeClr val="phClr">
+            <a:tint val="95000"/>
+            <a:satMod val="170000"/>
+          </a:schemeClr>
+        </a:solidFill>
+        <a:gradFill rotWithShape="1">
+          <a:gsLst>
+            <a:gs pos="0">
+              <a:schemeClr val="phClr">
+                <a:tint val="93000"/>
+                <a:satMod val="150000"/>
+                <a:shade val="98000"/>
+                <a:lumMod val="102000"/>
+              </a:schemeClr>
+            </a:gs>
+            <a:gs pos="50000">
+              <a:schemeClr val="phClr">
+                <a:tint val="98000"/>
+                <a:satMod val="130000"/>
+                <a:shade val="90000"/>
+                <a:lumMod val="103000"/>
+              </a:schemeClr>
+            </a:gs>
+            <a:gs pos="100000">
+              <a:schemeClr val="phClr">
+                <a:shade val="63000"/>
+                <a:satMod val="120000"/>
+              </a:schemeClr>
+            </a:gs>
+          </a:gsLst>
+          <a:lin ang="5400000" scaled="0"/>
+        </a:gradFill>
+      </a:bgFillStyleLst>
+    </a:fmtScheme>
+  </a:themeElements>
+  <a:objectDefaults/>
+  <a:extraClrSchemeLst/>
+  <a:extLst>
+    <a:ext uri="{05A4C25C-085E-4340-85A3-A5531E510DB2}">
+      <thm15:themeFamily xmlns:thm15="http://schemas.microsoft.com/office/thememl/2012/main" name="Office Theme" id="{62F939B6-93AF-4DB8-9C6B-D6C7DFDC589F}" vid="{4A3C46E8-61CC-4603-A589-7422A47A8E4A}"/>
+    </a:ext>
+  </a:extLst>
+</a:theme>
 </file>